--- a/HTML/ppt/17.pptx
+++ b/HTML/ppt/17.pptx
@@ -125,7 +125,7 @@
   </p:defaultTextStyle>
   <p:extLst>
     <p:ext uri="{EFAFB233-063F-42B5-8137-9DF3F51BA10A}">
-      <p15:sldGuideLst xmlns:p15="http://schemas.microsoft.com/office/powerpoint/2012/main"/>
+      <p15:sldGuideLst xmlns:p15="http://schemas.microsoft.com/office/powerpoint/2012/main" xmlns=""/>
     </p:ext>
   </p:extLst>
 </p:presentation>
@@ -210,7 +210,7 @@
           <a:p>
             <a:fld id="{AA93C23F-80D8-41F7-A602-5BAA4D96D6F7}" type="datetimeFigureOut">
               <a:rPr lang="ko-KR" altLang="en-US" smtClean="0"/>
-              <a:t>2021-02-06</a:t>
+              <a:t>2021-09-24</a:t>
             </a:fld>
             <a:endParaRPr lang="ko-KR" altLang="en-US"/>
           </a:p>
@@ -263,7 +263,7 @@
           <p:cNvPr id="7" name="그림 6">
             <a:extLst>
               <a:ext uri="{FF2B5EF4-FFF2-40B4-BE49-F238E27FC236}">
-                <a16:creationId xmlns:a16="http://schemas.microsoft.com/office/drawing/2014/main" id="{07614ECC-682A-43C2-99CA-0638D3969CAD}"/>
+                <a16:creationId xmlns:a16="http://schemas.microsoft.com/office/drawing/2014/main" xmlns="" id="{07614ECC-682A-43C2-99CA-0638D3969CAD}"/>
               </a:ext>
             </a:extLst>
           </p:cNvPr>
@@ -273,7 +273,7 @@
           <p:nvPr userDrawn="1"/>
         </p:nvPicPr>
         <p:blipFill>
-          <a:blip r:embed="rId2">
+          <a:blip r:embed="rId2" cstate="print">
             <a:extLst>
               <a:ext uri="{28A0092B-C50C-407E-A947-70E740481C1C}">
                 <a14:useLocalDpi xmlns:a14="http://schemas.microsoft.com/office/drawing/2010/main" val="0"/>
@@ -299,7 +299,7 @@
           <p:cNvPr id="12" name="그림 11">
             <a:extLst>
               <a:ext uri="{FF2B5EF4-FFF2-40B4-BE49-F238E27FC236}">
-                <a16:creationId xmlns:a16="http://schemas.microsoft.com/office/drawing/2014/main" id="{2DACDF48-EF40-451F-A48F-AFF99B099716}"/>
+                <a16:creationId xmlns:a16="http://schemas.microsoft.com/office/drawing/2014/main" xmlns="" id="{2DACDF48-EF40-451F-A48F-AFF99B099716}"/>
               </a:ext>
             </a:extLst>
           </p:cNvPr>
@@ -309,7 +309,7 @@
           <p:nvPr userDrawn="1"/>
         </p:nvPicPr>
         <p:blipFill rotWithShape="1">
-          <a:blip r:embed="rId3">
+          <a:blip r:embed="rId3" cstate="print">
             <a:extLst>
               <a:ext uri="{28A0092B-C50C-407E-A947-70E740481C1C}">
                 <a14:useLocalDpi xmlns:a14="http://schemas.microsoft.com/office/drawing/2010/main" val="0"/>
@@ -339,7 +339,7 @@
           <p:cNvPr id="11" name="직사각형 10">
             <a:extLst>
               <a:ext uri="{FF2B5EF4-FFF2-40B4-BE49-F238E27FC236}">
-                <a16:creationId xmlns:a16="http://schemas.microsoft.com/office/drawing/2014/main" id="{4E0D822C-E76D-4041-9019-177102919703}"/>
+                <a16:creationId xmlns:a16="http://schemas.microsoft.com/office/drawing/2014/main" xmlns="" id="{4E0D822C-E76D-4041-9019-177102919703}"/>
               </a:ext>
             </a:extLst>
           </p:cNvPr>
@@ -508,7 +508,7 @@
           <a:p>
             <a:fld id="{AA93C23F-80D8-41F7-A602-5BAA4D96D6F7}" type="datetimeFigureOut">
               <a:rPr lang="ko-KR" altLang="en-US" smtClean="0"/>
-              <a:t>2021-02-06</a:t>
+              <a:t>2021-09-24</a:t>
             </a:fld>
             <a:endParaRPr lang="ko-KR" altLang="en-US"/>
           </a:p>
@@ -686,7 +686,7 @@
           <a:p>
             <a:fld id="{AA93C23F-80D8-41F7-A602-5BAA4D96D6F7}" type="datetimeFigureOut">
               <a:rPr lang="ko-KR" altLang="en-US" smtClean="0"/>
-              <a:t>2021-02-06</a:t>
+              <a:t>2021-09-24</a:t>
             </a:fld>
             <a:endParaRPr lang="ko-KR" altLang="en-US"/>
           </a:p>
@@ -769,7 +769,7 @@
           <p:cNvPr id="2" name="제목 1">
             <a:extLst>
               <a:ext uri="{FF2B5EF4-FFF2-40B4-BE49-F238E27FC236}">
-                <a16:creationId xmlns:a16="http://schemas.microsoft.com/office/drawing/2014/main" id="{1706266A-C624-42C8-B7AE-4176FFA57D3A}"/>
+                <a16:creationId xmlns:a16="http://schemas.microsoft.com/office/drawing/2014/main" xmlns="" id="{1706266A-C624-42C8-B7AE-4176FFA57D3A}"/>
               </a:ext>
             </a:extLst>
           </p:cNvPr>
@@ -806,7 +806,7 @@
           <p:cNvPr id="3" name="부제목 2">
             <a:extLst>
               <a:ext uri="{FF2B5EF4-FFF2-40B4-BE49-F238E27FC236}">
-                <a16:creationId xmlns:a16="http://schemas.microsoft.com/office/drawing/2014/main" id="{CF1E8150-D664-4750-BFAF-800E899E164E}"/>
+                <a16:creationId xmlns:a16="http://schemas.microsoft.com/office/drawing/2014/main" xmlns="" id="{CF1E8150-D664-4750-BFAF-800E899E164E}"/>
               </a:ext>
             </a:extLst>
           </p:cNvPr>
@@ -876,7 +876,7 @@
           <p:cNvPr id="4" name="날짜 개체 틀 3">
             <a:extLst>
               <a:ext uri="{FF2B5EF4-FFF2-40B4-BE49-F238E27FC236}">
-                <a16:creationId xmlns:a16="http://schemas.microsoft.com/office/drawing/2014/main" id="{B77FCA92-17C5-41B3-A975-E0729DBEBFBF}"/>
+                <a16:creationId xmlns:a16="http://schemas.microsoft.com/office/drawing/2014/main" xmlns="" id="{B77FCA92-17C5-41B3-A975-E0729DBEBFBF}"/>
               </a:ext>
             </a:extLst>
           </p:cNvPr>
@@ -894,7 +894,7 @@
           <a:p>
             <a:fld id="{7A0B29D9-43B6-4ACD-848D-FA6E666794B9}" type="datetimeFigureOut">
               <a:rPr lang="ko-KR" altLang="en-US" smtClean="0"/>
-              <a:t>2021-02-06</a:t>
+              <a:t>2021-09-24</a:t>
             </a:fld>
             <a:endParaRPr lang="ko-KR" altLang="en-US"/>
           </a:p>
@@ -905,7 +905,7 @@
           <p:cNvPr id="5" name="바닥글 개체 틀 4">
             <a:extLst>
               <a:ext uri="{FF2B5EF4-FFF2-40B4-BE49-F238E27FC236}">
-                <a16:creationId xmlns:a16="http://schemas.microsoft.com/office/drawing/2014/main" id="{90773A2D-2644-4295-A92E-C83D7ECA0114}"/>
+                <a16:creationId xmlns:a16="http://schemas.microsoft.com/office/drawing/2014/main" xmlns="" id="{90773A2D-2644-4295-A92E-C83D7ECA0114}"/>
               </a:ext>
             </a:extLst>
           </p:cNvPr>
@@ -930,7 +930,7 @@
           <p:cNvPr id="6" name="슬라이드 번호 개체 틀 5">
             <a:extLst>
               <a:ext uri="{FF2B5EF4-FFF2-40B4-BE49-F238E27FC236}">
-                <a16:creationId xmlns:a16="http://schemas.microsoft.com/office/drawing/2014/main" id="{8DB65557-D1D1-44F5-9A09-7A27A7500ACA}"/>
+                <a16:creationId xmlns:a16="http://schemas.microsoft.com/office/drawing/2014/main" xmlns="" id="{8DB65557-D1D1-44F5-9A09-7A27A7500ACA}"/>
               </a:ext>
             </a:extLst>
           </p:cNvPr>
@@ -1090,7 +1090,7 @@
           <a:p>
             <a:fld id="{AA93C23F-80D8-41F7-A602-5BAA4D96D6F7}" type="datetimeFigureOut">
               <a:rPr lang="ko-KR" altLang="en-US" smtClean="0"/>
-              <a:t>2021-02-06</a:t>
+              <a:t>2021-09-24</a:t>
             </a:fld>
             <a:endParaRPr lang="ko-KR" altLang="en-US"/>
           </a:p>
@@ -1335,7 +1335,7 @@
           <a:p>
             <a:fld id="{AA93C23F-80D8-41F7-A602-5BAA4D96D6F7}" type="datetimeFigureOut">
               <a:rPr lang="ko-KR" altLang="en-US" smtClean="0"/>
-              <a:t>2021-02-06</a:t>
+              <a:t>2021-09-24</a:t>
             </a:fld>
             <a:endParaRPr lang="ko-KR" altLang="en-US"/>
           </a:p>
@@ -1564,7 +1564,7 @@
           <a:p>
             <a:fld id="{AA93C23F-80D8-41F7-A602-5BAA4D96D6F7}" type="datetimeFigureOut">
               <a:rPr lang="ko-KR" altLang="en-US" smtClean="0"/>
-              <a:t>2021-02-06</a:t>
+              <a:t>2021-09-24</a:t>
             </a:fld>
             <a:endParaRPr lang="ko-KR" altLang="en-US"/>
           </a:p>
@@ -1928,7 +1928,7 @@
           <a:p>
             <a:fld id="{AA93C23F-80D8-41F7-A602-5BAA4D96D6F7}" type="datetimeFigureOut">
               <a:rPr lang="ko-KR" altLang="en-US" smtClean="0"/>
-              <a:t>2021-02-06</a:t>
+              <a:t>2021-09-24</a:t>
             </a:fld>
             <a:endParaRPr lang="ko-KR" altLang="en-US"/>
           </a:p>
@@ -2050,7 +2050,7 @@
           <a:p>
             <a:fld id="{AA93C23F-80D8-41F7-A602-5BAA4D96D6F7}" type="datetimeFigureOut">
               <a:rPr lang="ko-KR" altLang="en-US" smtClean="0"/>
-              <a:t>2021-02-06</a:t>
+              <a:t>2021-09-24</a:t>
             </a:fld>
             <a:endParaRPr lang="ko-KR" altLang="en-US"/>
           </a:p>
@@ -2145,7 +2145,7 @@
           <a:p>
             <a:fld id="{AA93C23F-80D8-41F7-A602-5BAA4D96D6F7}" type="datetimeFigureOut">
               <a:rPr lang="ko-KR" altLang="en-US" smtClean="0"/>
-              <a:t>2021-02-06</a:t>
+              <a:t>2021-09-24</a:t>
             </a:fld>
             <a:endParaRPr lang="ko-KR" altLang="en-US"/>
           </a:p>
@@ -2420,7 +2420,7 @@
           <a:p>
             <a:fld id="{AA93C23F-80D8-41F7-A602-5BAA4D96D6F7}" type="datetimeFigureOut">
               <a:rPr lang="ko-KR" altLang="en-US" smtClean="0"/>
-              <a:t>2021-02-06</a:t>
+              <a:t>2021-09-24</a:t>
             </a:fld>
             <a:endParaRPr lang="ko-KR" altLang="en-US"/>
           </a:p>
@@ -2675,7 +2675,7 @@
           <a:p>
             <a:fld id="{AA93C23F-80D8-41F7-A602-5BAA4D96D6F7}" type="datetimeFigureOut">
               <a:rPr lang="ko-KR" altLang="en-US" smtClean="0"/>
-              <a:t>2021-02-06</a:t>
+              <a:t>2021-09-24</a:t>
             </a:fld>
             <a:endParaRPr lang="ko-KR" altLang="en-US"/>
           </a:p>
@@ -2763,7 +2763,7 @@
           <p:cNvPr id="7" name="직사각형 6">
             <a:extLst>
               <a:ext uri="{FF2B5EF4-FFF2-40B4-BE49-F238E27FC236}">
-                <a16:creationId xmlns:a16="http://schemas.microsoft.com/office/drawing/2014/main" id="{63317FCE-2A0E-48C2-8A7C-05C172CEA588}"/>
+                <a16:creationId xmlns:a16="http://schemas.microsoft.com/office/drawing/2014/main" xmlns="" id="{63317FCE-2A0E-48C2-8A7C-05C172CEA588}"/>
               </a:ext>
             </a:extLst>
           </p:cNvPr>
@@ -2919,7 +2919,7 @@
           <a:p>
             <a:fld id="{AA93C23F-80D8-41F7-A602-5BAA4D96D6F7}" type="datetimeFigureOut">
               <a:rPr lang="ko-KR" altLang="en-US" smtClean="0"/>
-              <a:t>2021-02-06</a:t>
+              <a:t>2021-09-24</a:t>
             </a:fld>
             <a:endParaRPr lang="ko-KR" altLang="en-US"/>
           </a:p>
@@ -3363,7 +3363,7 @@
           <p:cNvPr id="2" name="제목 1">
             <a:extLst>
               <a:ext uri="{FF2B5EF4-FFF2-40B4-BE49-F238E27FC236}">
-                <a16:creationId xmlns:a16="http://schemas.microsoft.com/office/drawing/2014/main" id="{05C7C753-9F88-4254-9862-F6A87176F751}"/>
+                <a16:creationId xmlns:a16="http://schemas.microsoft.com/office/drawing/2014/main" xmlns="" id="{05C7C753-9F88-4254-9862-F6A87176F751}"/>
               </a:ext>
             </a:extLst>
           </p:cNvPr>
@@ -3400,7 +3400,7 @@
           <p:cNvPr id="7" name="그룹 6">
             <a:extLst>
               <a:ext uri="{FF2B5EF4-FFF2-40B4-BE49-F238E27FC236}">
-                <a16:creationId xmlns:a16="http://schemas.microsoft.com/office/drawing/2014/main" id="{3020E55D-5D6E-47B7-BF49-67DF43FF0CB8}"/>
+                <a16:creationId xmlns:a16="http://schemas.microsoft.com/office/drawing/2014/main" xmlns="" id="{3020E55D-5D6E-47B7-BF49-67DF43FF0CB8}"/>
               </a:ext>
             </a:extLst>
           </p:cNvPr>
@@ -3420,7 +3420,7 @@
             <p:cNvPr id="4" name="직사각형 3">
               <a:extLst>
                 <a:ext uri="{FF2B5EF4-FFF2-40B4-BE49-F238E27FC236}">
-                  <a16:creationId xmlns:a16="http://schemas.microsoft.com/office/drawing/2014/main" id="{7E6505BA-A9A1-46F5-BFC6-A45ABCE494AF}"/>
+                  <a16:creationId xmlns:a16="http://schemas.microsoft.com/office/drawing/2014/main" xmlns="" id="{7E6505BA-A9A1-46F5-BFC6-A45ABCE494AF}"/>
                 </a:ext>
               </a:extLst>
             </p:cNvPr>
@@ -3487,7 +3487,7 @@
             <p:cNvPr id="5" name="TextBox 4">
               <a:extLst>
                 <a:ext uri="{FF2B5EF4-FFF2-40B4-BE49-F238E27FC236}">
-                  <a16:creationId xmlns:a16="http://schemas.microsoft.com/office/drawing/2014/main" id="{2FAFC29B-A5E1-4F15-A5FF-C528129D6456}"/>
+                  <a16:creationId xmlns:a16="http://schemas.microsoft.com/office/drawing/2014/main" xmlns="" id="{2FAFC29B-A5E1-4F15-A5FF-C528129D6456}"/>
                 </a:ext>
               </a:extLst>
             </p:cNvPr>
@@ -3522,7 +3522,7 @@
             <p:cNvPr id="6" name="직선 연결선 5">
               <a:extLst>
                 <a:ext uri="{FF2B5EF4-FFF2-40B4-BE49-F238E27FC236}">
-                  <a16:creationId xmlns:a16="http://schemas.microsoft.com/office/drawing/2014/main" id="{D5239A65-4609-4585-95B3-13DD43DCD16F}"/>
+                  <a16:creationId xmlns:a16="http://schemas.microsoft.com/office/drawing/2014/main" xmlns="" id="{D5239A65-4609-4585-95B3-13DD43DCD16F}"/>
                 </a:ext>
               </a:extLst>
             </p:cNvPr>
@@ -3567,7 +3567,7 @@
           <p:cNvPr id="8" name="그룹 7">
             <a:extLst>
               <a:ext uri="{FF2B5EF4-FFF2-40B4-BE49-F238E27FC236}">
-                <a16:creationId xmlns:a16="http://schemas.microsoft.com/office/drawing/2014/main" id="{62A3D327-1C49-4C6A-9E3C-4703010FB93F}"/>
+                <a16:creationId xmlns:a16="http://schemas.microsoft.com/office/drawing/2014/main" xmlns="" id="{62A3D327-1C49-4C6A-9E3C-4703010FB93F}"/>
               </a:ext>
             </a:extLst>
           </p:cNvPr>
@@ -3587,7 +3587,7 @@
             <p:cNvPr id="9" name="직사각형 8">
               <a:extLst>
                 <a:ext uri="{FF2B5EF4-FFF2-40B4-BE49-F238E27FC236}">
-                  <a16:creationId xmlns:a16="http://schemas.microsoft.com/office/drawing/2014/main" id="{49160DB8-7B1C-4706-917B-6D71C5689431}"/>
+                  <a16:creationId xmlns:a16="http://schemas.microsoft.com/office/drawing/2014/main" xmlns="" id="{49160DB8-7B1C-4706-917B-6D71C5689431}"/>
                 </a:ext>
               </a:extLst>
             </p:cNvPr>
@@ -3654,7 +3654,7 @@
             <p:cNvPr id="10" name="TextBox 9">
               <a:extLst>
                 <a:ext uri="{FF2B5EF4-FFF2-40B4-BE49-F238E27FC236}">
-                  <a16:creationId xmlns:a16="http://schemas.microsoft.com/office/drawing/2014/main" id="{2A780FDA-98EF-48CC-884F-3793D59C489C}"/>
+                  <a16:creationId xmlns:a16="http://schemas.microsoft.com/office/drawing/2014/main" xmlns="" id="{2A780FDA-98EF-48CC-884F-3793D59C489C}"/>
                 </a:ext>
               </a:extLst>
             </p:cNvPr>
@@ -3693,7 +3693,7 @@
             <p:cNvPr id="11" name="직선 연결선 10">
               <a:extLst>
                 <a:ext uri="{FF2B5EF4-FFF2-40B4-BE49-F238E27FC236}">
-                  <a16:creationId xmlns:a16="http://schemas.microsoft.com/office/drawing/2014/main" id="{5A070401-2604-4114-90CC-491EAA4418EC}"/>
+                  <a16:creationId xmlns:a16="http://schemas.microsoft.com/office/drawing/2014/main" xmlns="" id="{5A070401-2604-4114-90CC-491EAA4418EC}"/>
                 </a:ext>
               </a:extLst>
             </p:cNvPr>
@@ -3738,7 +3738,7 @@
           <p:cNvPr id="12" name="그룹 11">
             <a:extLst>
               <a:ext uri="{FF2B5EF4-FFF2-40B4-BE49-F238E27FC236}">
-                <a16:creationId xmlns:a16="http://schemas.microsoft.com/office/drawing/2014/main" id="{C3F7624B-EDD2-4633-BE15-2BF667FF95C8}"/>
+                <a16:creationId xmlns:a16="http://schemas.microsoft.com/office/drawing/2014/main" xmlns="" id="{C3F7624B-EDD2-4633-BE15-2BF667FF95C8}"/>
               </a:ext>
             </a:extLst>
           </p:cNvPr>
@@ -3758,7 +3758,7 @@
             <p:cNvPr id="13" name="직사각형 12">
               <a:extLst>
                 <a:ext uri="{FF2B5EF4-FFF2-40B4-BE49-F238E27FC236}">
-                  <a16:creationId xmlns:a16="http://schemas.microsoft.com/office/drawing/2014/main" id="{978C20D1-3A50-4B42-9450-DEAB453C541D}"/>
+                  <a16:creationId xmlns:a16="http://schemas.microsoft.com/office/drawing/2014/main" xmlns="" id="{978C20D1-3A50-4B42-9450-DEAB453C541D}"/>
                 </a:ext>
               </a:extLst>
             </p:cNvPr>
@@ -3825,7 +3825,7 @@
             <p:cNvPr id="14" name="TextBox 13">
               <a:extLst>
                 <a:ext uri="{FF2B5EF4-FFF2-40B4-BE49-F238E27FC236}">
-                  <a16:creationId xmlns:a16="http://schemas.microsoft.com/office/drawing/2014/main" id="{993482B9-BF0C-4A29-9A2C-F53673D18F38}"/>
+                  <a16:creationId xmlns:a16="http://schemas.microsoft.com/office/drawing/2014/main" xmlns="" id="{993482B9-BF0C-4A29-9A2C-F53673D18F38}"/>
                 </a:ext>
               </a:extLst>
             </p:cNvPr>
@@ -3864,7 +3864,7 @@
             <p:cNvPr id="15" name="직선 연결선 14">
               <a:extLst>
                 <a:ext uri="{FF2B5EF4-FFF2-40B4-BE49-F238E27FC236}">
-                  <a16:creationId xmlns:a16="http://schemas.microsoft.com/office/drawing/2014/main" id="{B79D1F0B-10F5-4137-8FB9-05675540EE75}"/>
+                  <a16:creationId xmlns:a16="http://schemas.microsoft.com/office/drawing/2014/main" xmlns="" id="{B79D1F0B-10F5-4137-8FB9-05675540EE75}"/>
                 </a:ext>
               </a:extLst>
             </p:cNvPr>
@@ -3909,7 +3909,7 @@
           <p:cNvPr id="16" name="그룹 15">
             <a:extLst>
               <a:ext uri="{FF2B5EF4-FFF2-40B4-BE49-F238E27FC236}">
-                <a16:creationId xmlns:a16="http://schemas.microsoft.com/office/drawing/2014/main" id="{8AE2135F-B6C5-4E3E-B050-56A474321D21}"/>
+                <a16:creationId xmlns:a16="http://schemas.microsoft.com/office/drawing/2014/main" xmlns="" id="{8AE2135F-B6C5-4E3E-B050-56A474321D21}"/>
               </a:ext>
             </a:extLst>
           </p:cNvPr>
@@ -3929,7 +3929,7 @@
             <p:cNvPr id="17" name="직사각형 16">
               <a:extLst>
                 <a:ext uri="{FF2B5EF4-FFF2-40B4-BE49-F238E27FC236}">
-                  <a16:creationId xmlns:a16="http://schemas.microsoft.com/office/drawing/2014/main" id="{8BA7BA70-727B-4088-B9F4-72527DD675F6}"/>
+                  <a16:creationId xmlns:a16="http://schemas.microsoft.com/office/drawing/2014/main" xmlns="" id="{8BA7BA70-727B-4088-B9F4-72527DD675F6}"/>
                 </a:ext>
               </a:extLst>
             </p:cNvPr>
@@ -3996,7 +3996,7 @@
             <p:cNvPr id="18" name="TextBox 17">
               <a:extLst>
                 <a:ext uri="{FF2B5EF4-FFF2-40B4-BE49-F238E27FC236}">
-                  <a16:creationId xmlns:a16="http://schemas.microsoft.com/office/drawing/2014/main" id="{B1B5F833-81B4-433C-9F29-B5BBFB0AE13C}"/>
+                  <a16:creationId xmlns:a16="http://schemas.microsoft.com/office/drawing/2014/main" xmlns="" id="{B1B5F833-81B4-433C-9F29-B5BBFB0AE13C}"/>
                 </a:ext>
               </a:extLst>
             </p:cNvPr>
@@ -4043,7 +4043,7 @@
             <p:cNvPr id="19" name="직선 연결선 18">
               <a:extLst>
                 <a:ext uri="{FF2B5EF4-FFF2-40B4-BE49-F238E27FC236}">
-                  <a16:creationId xmlns:a16="http://schemas.microsoft.com/office/drawing/2014/main" id="{6534E6CB-0BDB-47E7-860A-32A889CD5F85}"/>
+                  <a16:creationId xmlns:a16="http://schemas.microsoft.com/office/drawing/2014/main" xmlns="" id="{6534E6CB-0BDB-47E7-860A-32A889CD5F85}"/>
                 </a:ext>
               </a:extLst>
             </p:cNvPr>
@@ -4118,7 +4118,7 @@
           <p:cNvPr id="4" name="제목 3">
             <a:extLst>
               <a:ext uri="{FF2B5EF4-FFF2-40B4-BE49-F238E27FC236}">
-                <a16:creationId xmlns:a16="http://schemas.microsoft.com/office/drawing/2014/main" id="{EB6D438C-A184-447B-ACCE-00753F422508}"/>
+                <a16:creationId xmlns:a16="http://schemas.microsoft.com/office/drawing/2014/main" xmlns="" id="{EB6D438C-A184-447B-ACCE-00753F422508}"/>
               </a:ext>
             </a:extLst>
           </p:cNvPr>
@@ -4152,7 +4152,7 @@
           <p:cNvPr id="5" name="직사각형 4">
             <a:extLst>
               <a:ext uri="{FF2B5EF4-FFF2-40B4-BE49-F238E27FC236}">
-                <a16:creationId xmlns:a16="http://schemas.microsoft.com/office/drawing/2014/main" id="{7034713A-D5F1-4F14-B366-477004892E80}"/>
+                <a16:creationId xmlns:a16="http://schemas.microsoft.com/office/drawing/2014/main" xmlns="" id="{7034713A-D5F1-4F14-B366-477004892E80}"/>
               </a:ext>
             </a:extLst>
           </p:cNvPr>
@@ -4193,7 +4193,7 @@
           <p:cNvPr id="11" name="직사각형 10">
             <a:extLst>
               <a:ext uri="{FF2B5EF4-FFF2-40B4-BE49-F238E27FC236}">
-                <a16:creationId xmlns:a16="http://schemas.microsoft.com/office/drawing/2014/main" id="{B85DE690-C02E-43D1-B292-A6542CE778B6}"/>
+                <a16:creationId xmlns:a16="http://schemas.microsoft.com/office/drawing/2014/main" xmlns="" id="{B85DE690-C02E-43D1-B292-A6542CE778B6}"/>
               </a:ext>
             </a:extLst>
           </p:cNvPr>
@@ -4249,7 +4249,7 @@
           <p:cNvPr id="6" name="그림 5">
             <a:extLst>
               <a:ext uri="{FF2B5EF4-FFF2-40B4-BE49-F238E27FC236}">
-                <a16:creationId xmlns:a16="http://schemas.microsoft.com/office/drawing/2014/main" id="{6CFAF8CC-0527-428D-AA8E-D99D5FCAA8F0}"/>
+                <a16:creationId xmlns:a16="http://schemas.microsoft.com/office/drawing/2014/main" xmlns="" id="{6CFAF8CC-0527-428D-AA8E-D99D5FCAA8F0}"/>
               </a:ext>
             </a:extLst>
           </p:cNvPr>
@@ -4279,7 +4279,7 @@
           <p:cNvPr id="9" name="그림 8">
             <a:extLst>
               <a:ext uri="{FF2B5EF4-FFF2-40B4-BE49-F238E27FC236}">
-                <a16:creationId xmlns:a16="http://schemas.microsoft.com/office/drawing/2014/main" id="{6D017DE8-38A3-46D2-9C62-E8BA29DF40CC}"/>
+                <a16:creationId xmlns:a16="http://schemas.microsoft.com/office/drawing/2014/main" xmlns="" id="{6D017DE8-38A3-46D2-9C62-E8BA29DF40CC}"/>
               </a:ext>
             </a:extLst>
           </p:cNvPr>
@@ -4339,7 +4339,7 @@
           <p:cNvPr id="4" name="제목 3">
             <a:extLst>
               <a:ext uri="{FF2B5EF4-FFF2-40B4-BE49-F238E27FC236}">
-                <a16:creationId xmlns:a16="http://schemas.microsoft.com/office/drawing/2014/main" id="{EB6D438C-A184-447B-ACCE-00753F422508}"/>
+                <a16:creationId xmlns:a16="http://schemas.microsoft.com/office/drawing/2014/main" xmlns="" id="{EB6D438C-A184-447B-ACCE-00753F422508}"/>
               </a:ext>
             </a:extLst>
           </p:cNvPr>
@@ -4373,7 +4373,7 @@
           <p:cNvPr id="5" name="직사각형 4">
             <a:extLst>
               <a:ext uri="{FF2B5EF4-FFF2-40B4-BE49-F238E27FC236}">
-                <a16:creationId xmlns:a16="http://schemas.microsoft.com/office/drawing/2014/main" id="{7034713A-D5F1-4F14-B366-477004892E80}"/>
+                <a16:creationId xmlns:a16="http://schemas.microsoft.com/office/drawing/2014/main" xmlns="" id="{7034713A-D5F1-4F14-B366-477004892E80}"/>
               </a:ext>
             </a:extLst>
           </p:cNvPr>
@@ -4426,7 +4426,7 @@
           <p:cNvPr id="11" name="직사각형 10">
             <a:extLst>
               <a:ext uri="{FF2B5EF4-FFF2-40B4-BE49-F238E27FC236}">
-                <a16:creationId xmlns:a16="http://schemas.microsoft.com/office/drawing/2014/main" id="{B85DE690-C02E-43D1-B292-A6542CE778B6}"/>
+                <a16:creationId xmlns:a16="http://schemas.microsoft.com/office/drawing/2014/main" xmlns="" id="{B85DE690-C02E-43D1-B292-A6542CE778B6}"/>
               </a:ext>
             </a:extLst>
           </p:cNvPr>
@@ -4470,7 +4470,7 @@
           <p:cNvPr id="3" name="그림 2">
             <a:extLst>
               <a:ext uri="{FF2B5EF4-FFF2-40B4-BE49-F238E27FC236}">
-                <a16:creationId xmlns:a16="http://schemas.microsoft.com/office/drawing/2014/main" id="{DCDE714B-7352-4C34-AC7E-EC98FEB3F5BF}"/>
+                <a16:creationId xmlns:a16="http://schemas.microsoft.com/office/drawing/2014/main" xmlns="" id="{DCDE714B-7352-4C34-AC7E-EC98FEB3F5BF}"/>
               </a:ext>
             </a:extLst>
           </p:cNvPr>
@@ -4530,7 +4530,7 @@
           <p:cNvPr id="4" name="제목 3">
             <a:extLst>
               <a:ext uri="{FF2B5EF4-FFF2-40B4-BE49-F238E27FC236}">
-                <a16:creationId xmlns:a16="http://schemas.microsoft.com/office/drawing/2014/main" id="{EB6D438C-A184-447B-ACCE-00753F422508}"/>
+                <a16:creationId xmlns:a16="http://schemas.microsoft.com/office/drawing/2014/main" xmlns="" id="{EB6D438C-A184-447B-ACCE-00753F422508}"/>
               </a:ext>
             </a:extLst>
           </p:cNvPr>
@@ -4564,7 +4564,7 @@
           <p:cNvPr id="5" name="직사각형 4">
             <a:extLst>
               <a:ext uri="{FF2B5EF4-FFF2-40B4-BE49-F238E27FC236}">
-                <a16:creationId xmlns:a16="http://schemas.microsoft.com/office/drawing/2014/main" id="{7034713A-D5F1-4F14-B366-477004892E80}"/>
+                <a16:creationId xmlns:a16="http://schemas.microsoft.com/office/drawing/2014/main" xmlns="" id="{7034713A-D5F1-4F14-B366-477004892E80}"/>
               </a:ext>
             </a:extLst>
           </p:cNvPr>
@@ -4617,7 +4617,7 @@
           <p:cNvPr id="6" name="그림 5">
             <a:extLst>
               <a:ext uri="{FF2B5EF4-FFF2-40B4-BE49-F238E27FC236}">
-                <a16:creationId xmlns:a16="http://schemas.microsoft.com/office/drawing/2014/main" id="{4210CBC2-CD73-41D1-AA4E-E347DA348705}"/>
+                <a16:creationId xmlns:a16="http://schemas.microsoft.com/office/drawing/2014/main" xmlns="" id="{4210CBC2-CD73-41D1-AA4E-E347DA348705}"/>
               </a:ext>
             </a:extLst>
           </p:cNvPr>
@@ -4647,7 +4647,7 @@
           <p:cNvPr id="12" name="그림 11">
             <a:extLst>
               <a:ext uri="{FF2B5EF4-FFF2-40B4-BE49-F238E27FC236}">
-                <a16:creationId xmlns:a16="http://schemas.microsoft.com/office/drawing/2014/main" id="{741F8DD0-B896-46CF-9AB8-C4D32FB1DD77}"/>
+                <a16:creationId xmlns:a16="http://schemas.microsoft.com/office/drawing/2014/main" xmlns="" id="{741F8DD0-B896-46CF-9AB8-C4D32FB1DD77}"/>
               </a:ext>
             </a:extLst>
           </p:cNvPr>
@@ -4677,7 +4677,7 @@
           <p:cNvPr id="13" name="TextBox 12">
             <a:extLst>
               <a:ext uri="{FF2B5EF4-FFF2-40B4-BE49-F238E27FC236}">
-                <a16:creationId xmlns:a16="http://schemas.microsoft.com/office/drawing/2014/main" id="{587C0331-0FEA-4F00-8BB3-3C2F6A082BC0}"/>
+                <a16:creationId xmlns:a16="http://schemas.microsoft.com/office/drawing/2014/main" xmlns="" id="{587C0331-0FEA-4F00-8BB3-3C2F6A082BC0}"/>
               </a:ext>
             </a:extLst>
           </p:cNvPr>
@@ -4716,7 +4716,7 @@
           <p:cNvPr id="15" name="직선 화살표 연결선 14">
             <a:extLst>
               <a:ext uri="{FF2B5EF4-FFF2-40B4-BE49-F238E27FC236}">
-                <a16:creationId xmlns:a16="http://schemas.microsoft.com/office/drawing/2014/main" id="{8052B1A8-D1BA-4BCD-88FA-98B9000560F4}"/>
+                <a16:creationId xmlns:a16="http://schemas.microsoft.com/office/drawing/2014/main" xmlns="" id="{8052B1A8-D1BA-4BCD-88FA-98B9000560F4}"/>
               </a:ext>
             </a:extLst>
           </p:cNvPr>
@@ -4760,7 +4760,7 @@
           <p:cNvPr id="17" name="직선 화살표 연결선 16">
             <a:extLst>
               <a:ext uri="{FF2B5EF4-FFF2-40B4-BE49-F238E27FC236}">
-                <a16:creationId xmlns:a16="http://schemas.microsoft.com/office/drawing/2014/main" id="{B9BA90F6-42AB-4277-9368-1DFB0217E519}"/>
+                <a16:creationId xmlns:a16="http://schemas.microsoft.com/office/drawing/2014/main" xmlns="" id="{B9BA90F6-42AB-4277-9368-1DFB0217E519}"/>
               </a:ext>
             </a:extLst>
           </p:cNvPr>
@@ -4835,7 +4835,7 @@
           <p:cNvPr id="4" name="제목 3">
             <a:extLst>
               <a:ext uri="{FF2B5EF4-FFF2-40B4-BE49-F238E27FC236}">
-                <a16:creationId xmlns:a16="http://schemas.microsoft.com/office/drawing/2014/main" id="{EB6D438C-A184-447B-ACCE-00753F422508}"/>
+                <a16:creationId xmlns:a16="http://schemas.microsoft.com/office/drawing/2014/main" xmlns="" id="{EB6D438C-A184-447B-ACCE-00753F422508}"/>
               </a:ext>
             </a:extLst>
           </p:cNvPr>
@@ -4869,7 +4869,7 @@
           <p:cNvPr id="5" name="직사각형 4">
             <a:extLst>
               <a:ext uri="{FF2B5EF4-FFF2-40B4-BE49-F238E27FC236}">
-                <a16:creationId xmlns:a16="http://schemas.microsoft.com/office/drawing/2014/main" id="{7034713A-D5F1-4F14-B366-477004892E80}"/>
+                <a16:creationId xmlns:a16="http://schemas.microsoft.com/office/drawing/2014/main" xmlns="" id="{7034713A-D5F1-4F14-B366-477004892E80}"/>
               </a:ext>
             </a:extLst>
           </p:cNvPr>
@@ -4922,7 +4922,7 @@
           <p:cNvPr id="6" name="그림 5">
             <a:extLst>
               <a:ext uri="{FF2B5EF4-FFF2-40B4-BE49-F238E27FC236}">
-                <a16:creationId xmlns:a16="http://schemas.microsoft.com/office/drawing/2014/main" id="{4210CBC2-CD73-41D1-AA4E-E347DA348705}"/>
+                <a16:creationId xmlns:a16="http://schemas.microsoft.com/office/drawing/2014/main" xmlns="" id="{4210CBC2-CD73-41D1-AA4E-E347DA348705}"/>
               </a:ext>
             </a:extLst>
           </p:cNvPr>
@@ -4952,7 +4952,7 @@
           <p:cNvPr id="7" name="그림 6">
             <a:extLst>
               <a:ext uri="{FF2B5EF4-FFF2-40B4-BE49-F238E27FC236}">
-                <a16:creationId xmlns:a16="http://schemas.microsoft.com/office/drawing/2014/main" id="{B62DA907-8FFC-4F12-A442-C29759FD4AB9}"/>
+                <a16:creationId xmlns:a16="http://schemas.microsoft.com/office/drawing/2014/main" xmlns="" id="{B62DA907-8FFC-4F12-A442-C29759FD4AB9}"/>
               </a:ext>
             </a:extLst>
           </p:cNvPr>
@@ -4982,7 +4982,7 @@
           <p:cNvPr id="9" name="그림 8">
             <a:extLst>
               <a:ext uri="{FF2B5EF4-FFF2-40B4-BE49-F238E27FC236}">
-                <a16:creationId xmlns:a16="http://schemas.microsoft.com/office/drawing/2014/main" id="{C302DC24-1D34-44F2-B861-DDA7D3D3183E}"/>
+                <a16:creationId xmlns:a16="http://schemas.microsoft.com/office/drawing/2014/main" xmlns="" id="{C302DC24-1D34-44F2-B861-DDA7D3D3183E}"/>
               </a:ext>
             </a:extLst>
           </p:cNvPr>
@@ -5042,7 +5042,7 @@
           <p:cNvPr id="4" name="제목 3">
             <a:extLst>
               <a:ext uri="{FF2B5EF4-FFF2-40B4-BE49-F238E27FC236}">
-                <a16:creationId xmlns:a16="http://schemas.microsoft.com/office/drawing/2014/main" id="{EB6D438C-A184-447B-ACCE-00753F422508}"/>
+                <a16:creationId xmlns:a16="http://schemas.microsoft.com/office/drawing/2014/main" xmlns="" id="{EB6D438C-A184-447B-ACCE-00753F422508}"/>
               </a:ext>
             </a:extLst>
           </p:cNvPr>
@@ -5076,7 +5076,7 @@
           <p:cNvPr id="5" name="직사각형 4">
             <a:extLst>
               <a:ext uri="{FF2B5EF4-FFF2-40B4-BE49-F238E27FC236}">
-                <a16:creationId xmlns:a16="http://schemas.microsoft.com/office/drawing/2014/main" id="{7034713A-D5F1-4F14-B366-477004892E80}"/>
+                <a16:creationId xmlns:a16="http://schemas.microsoft.com/office/drawing/2014/main" xmlns="" id="{7034713A-D5F1-4F14-B366-477004892E80}"/>
               </a:ext>
             </a:extLst>
           </p:cNvPr>
@@ -5129,7 +5129,7 @@
           <p:cNvPr id="8" name="직사각형 7">
             <a:extLst>
               <a:ext uri="{FF2B5EF4-FFF2-40B4-BE49-F238E27FC236}">
-                <a16:creationId xmlns:a16="http://schemas.microsoft.com/office/drawing/2014/main" id="{FB1A3F9E-EDE4-4146-AA74-06EF287D7D1C}"/>
+                <a16:creationId xmlns:a16="http://schemas.microsoft.com/office/drawing/2014/main" xmlns="" id="{FB1A3F9E-EDE4-4146-AA74-06EF287D7D1C}"/>
               </a:ext>
             </a:extLst>
           </p:cNvPr>
@@ -5173,7 +5173,7 @@
           <p:cNvPr id="3" name="그림 2">
             <a:extLst>
               <a:ext uri="{FF2B5EF4-FFF2-40B4-BE49-F238E27FC236}">
-                <a16:creationId xmlns:a16="http://schemas.microsoft.com/office/drawing/2014/main" id="{39AA67E1-383B-4ABD-A2DC-89C3372B42F3}"/>
+                <a16:creationId xmlns:a16="http://schemas.microsoft.com/office/drawing/2014/main" xmlns="" id="{39AA67E1-383B-4ABD-A2DC-89C3372B42F3}"/>
               </a:ext>
             </a:extLst>
           </p:cNvPr>
@@ -5203,7 +5203,7 @@
           <p:cNvPr id="10" name="직사각형 9">
             <a:extLst>
               <a:ext uri="{FF2B5EF4-FFF2-40B4-BE49-F238E27FC236}">
-                <a16:creationId xmlns:a16="http://schemas.microsoft.com/office/drawing/2014/main" id="{F977732D-A3A7-4054-8F77-9C74746C6959}"/>
+                <a16:creationId xmlns:a16="http://schemas.microsoft.com/office/drawing/2014/main" xmlns="" id="{F977732D-A3A7-4054-8F77-9C74746C6959}"/>
               </a:ext>
             </a:extLst>
           </p:cNvPr>
@@ -5271,7 +5271,7 @@
           <p:cNvPr id="12" name="그림 11">
             <a:extLst>
               <a:ext uri="{FF2B5EF4-FFF2-40B4-BE49-F238E27FC236}">
-                <a16:creationId xmlns:a16="http://schemas.microsoft.com/office/drawing/2014/main" id="{B7D4840B-D16F-4CD3-9859-644A4AD886A9}"/>
+                <a16:creationId xmlns:a16="http://schemas.microsoft.com/office/drawing/2014/main" xmlns="" id="{B7D4840B-D16F-4CD3-9859-644A4AD886A9}"/>
               </a:ext>
             </a:extLst>
           </p:cNvPr>
@@ -5301,7 +5301,7 @@
           <p:cNvPr id="13" name="직사각형 12">
             <a:extLst>
               <a:ext uri="{FF2B5EF4-FFF2-40B4-BE49-F238E27FC236}">
-                <a16:creationId xmlns:a16="http://schemas.microsoft.com/office/drawing/2014/main" id="{C66B9C3C-0AA9-438D-8BB2-4A193EC869D1}"/>
+                <a16:creationId xmlns:a16="http://schemas.microsoft.com/office/drawing/2014/main" xmlns="" id="{C66B9C3C-0AA9-438D-8BB2-4A193EC869D1}"/>
               </a:ext>
             </a:extLst>
           </p:cNvPr>
@@ -5455,7 +5455,7 @@
           <p:cNvPr id="17" name="그림 16">
             <a:extLst>
               <a:ext uri="{FF2B5EF4-FFF2-40B4-BE49-F238E27FC236}">
-                <a16:creationId xmlns:a16="http://schemas.microsoft.com/office/drawing/2014/main" id="{7ADA5647-48A8-4909-A830-9485478FB040}"/>
+                <a16:creationId xmlns:a16="http://schemas.microsoft.com/office/drawing/2014/main" xmlns="" id="{7ADA5647-48A8-4909-A830-9485478FB040}"/>
               </a:ext>
             </a:extLst>
           </p:cNvPr>
@@ -5485,7 +5485,7 @@
           <p:cNvPr id="19" name="그림 18">
             <a:extLst>
               <a:ext uri="{FF2B5EF4-FFF2-40B4-BE49-F238E27FC236}">
-                <a16:creationId xmlns:a16="http://schemas.microsoft.com/office/drawing/2014/main" id="{A968FEC7-E880-4C9D-A2B5-7124F1E70E57}"/>
+                <a16:creationId xmlns:a16="http://schemas.microsoft.com/office/drawing/2014/main" xmlns="" id="{A968FEC7-E880-4C9D-A2B5-7124F1E70E57}"/>
               </a:ext>
             </a:extLst>
           </p:cNvPr>
@@ -5545,7 +5545,7 @@
           <p:cNvPr id="2" name="제목 1">
             <a:extLst>
               <a:ext uri="{FF2B5EF4-FFF2-40B4-BE49-F238E27FC236}">
-                <a16:creationId xmlns:a16="http://schemas.microsoft.com/office/drawing/2014/main" id="{FA116157-EB39-4A31-AE4D-B6E1A3427CDC}"/>
+                <a16:creationId xmlns:a16="http://schemas.microsoft.com/office/drawing/2014/main" xmlns="" id="{FA116157-EB39-4A31-AE4D-B6E1A3427CDC}"/>
               </a:ext>
             </a:extLst>
           </p:cNvPr>
@@ -5585,7 +5585,7 @@
           <p:cNvPr id="3" name="직사각형 2">
             <a:extLst>
               <a:ext uri="{FF2B5EF4-FFF2-40B4-BE49-F238E27FC236}">
-                <a16:creationId xmlns:a16="http://schemas.microsoft.com/office/drawing/2014/main" id="{885AF3B8-5998-4CD7-A548-BBFCF9F7AD49}"/>
+                <a16:creationId xmlns:a16="http://schemas.microsoft.com/office/drawing/2014/main" xmlns="" id="{885AF3B8-5998-4CD7-A548-BBFCF9F7AD49}"/>
               </a:ext>
             </a:extLst>
           </p:cNvPr>
@@ -5629,7 +5629,7 @@
           <p:cNvPr id="4" name="직사각형 3">
             <a:extLst>
               <a:ext uri="{FF2B5EF4-FFF2-40B4-BE49-F238E27FC236}">
-                <a16:creationId xmlns:a16="http://schemas.microsoft.com/office/drawing/2014/main" id="{DA3E6E0E-AE3F-48B5-A278-A4165CF5C341}"/>
+                <a16:creationId xmlns:a16="http://schemas.microsoft.com/office/drawing/2014/main" xmlns="" id="{DA3E6E0E-AE3F-48B5-A278-A4165CF5C341}"/>
               </a:ext>
             </a:extLst>
           </p:cNvPr>
@@ -5679,7 +5679,7 @@
           <p:cNvPr id="6" name="그림 5">
             <a:extLst>
               <a:ext uri="{FF2B5EF4-FFF2-40B4-BE49-F238E27FC236}">
-                <a16:creationId xmlns:a16="http://schemas.microsoft.com/office/drawing/2014/main" id="{D5196263-A3A4-4452-841D-E01004B1F993}"/>
+                <a16:creationId xmlns:a16="http://schemas.microsoft.com/office/drawing/2014/main" xmlns="" id="{D5196263-A3A4-4452-841D-E01004B1F993}"/>
               </a:ext>
             </a:extLst>
           </p:cNvPr>
@@ -5709,7 +5709,7 @@
           <p:cNvPr id="8" name="그림 7">
             <a:extLst>
               <a:ext uri="{FF2B5EF4-FFF2-40B4-BE49-F238E27FC236}">
-                <a16:creationId xmlns:a16="http://schemas.microsoft.com/office/drawing/2014/main" id="{D15F3949-814D-4483-87F8-EA801B54CF3B}"/>
+                <a16:creationId xmlns:a16="http://schemas.microsoft.com/office/drawing/2014/main" xmlns="" id="{D15F3949-814D-4483-87F8-EA801B54CF3B}"/>
               </a:ext>
             </a:extLst>
           </p:cNvPr>
@@ -5769,7 +5769,7 @@
           <p:cNvPr id="2" name="제목 1">
             <a:extLst>
               <a:ext uri="{FF2B5EF4-FFF2-40B4-BE49-F238E27FC236}">
-                <a16:creationId xmlns:a16="http://schemas.microsoft.com/office/drawing/2014/main" id="{FA116157-EB39-4A31-AE4D-B6E1A3427CDC}"/>
+                <a16:creationId xmlns:a16="http://schemas.microsoft.com/office/drawing/2014/main" xmlns="" id="{FA116157-EB39-4A31-AE4D-B6E1A3427CDC}"/>
               </a:ext>
             </a:extLst>
           </p:cNvPr>
@@ -5809,7 +5809,7 @@
           <p:cNvPr id="3" name="직사각형 2">
             <a:extLst>
               <a:ext uri="{FF2B5EF4-FFF2-40B4-BE49-F238E27FC236}">
-                <a16:creationId xmlns:a16="http://schemas.microsoft.com/office/drawing/2014/main" id="{885AF3B8-5998-4CD7-A548-BBFCF9F7AD49}"/>
+                <a16:creationId xmlns:a16="http://schemas.microsoft.com/office/drawing/2014/main" xmlns="" id="{885AF3B8-5998-4CD7-A548-BBFCF9F7AD49}"/>
               </a:ext>
             </a:extLst>
           </p:cNvPr>
@@ -5853,7 +5853,7 @@
           <p:cNvPr id="4" name="직사각형 3">
             <a:extLst>
               <a:ext uri="{FF2B5EF4-FFF2-40B4-BE49-F238E27FC236}">
-                <a16:creationId xmlns:a16="http://schemas.microsoft.com/office/drawing/2014/main" id="{DA3E6E0E-AE3F-48B5-A278-A4165CF5C341}"/>
+                <a16:creationId xmlns:a16="http://schemas.microsoft.com/office/drawing/2014/main" xmlns="" id="{DA3E6E0E-AE3F-48B5-A278-A4165CF5C341}"/>
               </a:ext>
             </a:extLst>
           </p:cNvPr>
@@ -5913,7 +5913,7 @@
           <p:cNvPr id="7" name="직사각형 6">
             <a:extLst>
               <a:ext uri="{FF2B5EF4-FFF2-40B4-BE49-F238E27FC236}">
-                <a16:creationId xmlns:a16="http://schemas.microsoft.com/office/drawing/2014/main" id="{3DB0B12D-16A3-4FD8-8FF7-F110C96F7C96}"/>
+                <a16:creationId xmlns:a16="http://schemas.microsoft.com/office/drawing/2014/main" xmlns="" id="{3DB0B12D-16A3-4FD8-8FF7-F110C96F7C96}"/>
               </a:ext>
             </a:extLst>
           </p:cNvPr>
@@ -5978,7 +5978,7 @@
           <p:cNvPr id="9" name="그림 8">
             <a:extLst>
               <a:ext uri="{FF2B5EF4-FFF2-40B4-BE49-F238E27FC236}">
-                <a16:creationId xmlns:a16="http://schemas.microsoft.com/office/drawing/2014/main" id="{7CB59AAC-3A0E-406E-9BA2-4A5F6DFE2066}"/>
+                <a16:creationId xmlns:a16="http://schemas.microsoft.com/office/drawing/2014/main" xmlns="" id="{7CB59AAC-3A0E-406E-9BA2-4A5F6DFE2066}"/>
               </a:ext>
             </a:extLst>
           </p:cNvPr>
@@ -6008,7 +6008,7 @@
           <p:cNvPr id="11" name="그림 10">
             <a:extLst>
               <a:ext uri="{FF2B5EF4-FFF2-40B4-BE49-F238E27FC236}">
-                <a16:creationId xmlns:a16="http://schemas.microsoft.com/office/drawing/2014/main" id="{5EBA352C-7F58-438B-AC19-F3DC3EBE3450}"/>
+                <a16:creationId xmlns:a16="http://schemas.microsoft.com/office/drawing/2014/main" xmlns="" id="{5EBA352C-7F58-438B-AC19-F3DC3EBE3450}"/>
               </a:ext>
             </a:extLst>
           </p:cNvPr>
@@ -6038,7 +6038,7 @@
           <p:cNvPr id="13" name="그림 12">
             <a:extLst>
               <a:ext uri="{FF2B5EF4-FFF2-40B4-BE49-F238E27FC236}">
-                <a16:creationId xmlns:a16="http://schemas.microsoft.com/office/drawing/2014/main" id="{497C189D-AE91-4850-94AE-DFD297B71431}"/>
+                <a16:creationId xmlns:a16="http://schemas.microsoft.com/office/drawing/2014/main" xmlns="" id="{497C189D-AE91-4850-94AE-DFD297B71431}"/>
               </a:ext>
             </a:extLst>
           </p:cNvPr>
@@ -6068,7 +6068,7 @@
           <p:cNvPr id="15" name="그림 14">
             <a:extLst>
               <a:ext uri="{FF2B5EF4-FFF2-40B4-BE49-F238E27FC236}">
-                <a16:creationId xmlns:a16="http://schemas.microsoft.com/office/drawing/2014/main" id="{016B5C69-0D04-405E-92A5-A42BA4596005}"/>
+                <a16:creationId xmlns:a16="http://schemas.microsoft.com/office/drawing/2014/main" xmlns="" id="{016B5C69-0D04-405E-92A5-A42BA4596005}"/>
               </a:ext>
             </a:extLst>
           </p:cNvPr>
@@ -6098,7 +6098,7 @@
           <p:cNvPr id="17" name="그림 16">
             <a:extLst>
               <a:ext uri="{FF2B5EF4-FFF2-40B4-BE49-F238E27FC236}">
-                <a16:creationId xmlns:a16="http://schemas.microsoft.com/office/drawing/2014/main" id="{55C049C3-4246-4B5B-9D94-5118B9AF9C18}"/>
+                <a16:creationId xmlns:a16="http://schemas.microsoft.com/office/drawing/2014/main" xmlns="" id="{55C049C3-4246-4B5B-9D94-5118B9AF9C18}"/>
               </a:ext>
             </a:extLst>
           </p:cNvPr>
@@ -6128,7 +6128,7 @@
           <p:cNvPr id="19" name="그림 18">
             <a:extLst>
               <a:ext uri="{FF2B5EF4-FFF2-40B4-BE49-F238E27FC236}">
-                <a16:creationId xmlns:a16="http://schemas.microsoft.com/office/drawing/2014/main" id="{FD706FFD-CB6B-412F-B85F-7896FC1FD27E}"/>
+                <a16:creationId xmlns:a16="http://schemas.microsoft.com/office/drawing/2014/main" xmlns="" id="{FD706FFD-CB6B-412F-B85F-7896FC1FD27E}"/>
               </a:ext>
             </a:extLst>
           </p:cNvPr>
@@ -6158,7 +6158,7 @@
           <p:cNvPr id="20" name="TextBox 19">
             <a:extLst>
               <a:ext uri="{FF2B5EF4-FFF2-40B4-BE49-F238E27FC236}">
-                <a16:creationId xmlns:a16="http://schemas.microsoft.com/office/drawing/2014/main" id="{01BFF30C-6ED2-41A8-A5DC-1A0D0CDDA887}"/>
+                <a16:creationId xmlns:a16="http://schemas.microsoft.com/office/drawing/2014/main" xmlns="" id="{01BFF30C-6ED2-41A8-A5DC-1A0D0CDDA887}"/>
               </a:ext>
             </a:extLst>
           </p:cNvPr>
@@ -6237,7 +6237,7 @@
           <p:cNvPr id="22" name="연결선: 꺾임 21">
             <a:extLst>
               <a:ext uri="{FF2B5EF4-FFF2-40B4-BE49-F238E27FC236}">
-                <a16:creationId xmlns:a16="http://schemas.microsoft.com/office/drawing/2014/main" id="{E91B49BB-B3E4-4916-A434-B212522B1C65}"/>
+                <a16:creationId xmlns:a16="http://schemas.microsoft.com/office/drawing/2014/main" xmlns="" id="{E91B49BB-B3E4-4916-A434-B212522B1C65}"/>
               </a:ext>
             </a:extLst>
           </p:cNvPr>
@@ -6280,7 +6280,7 @@
           <p:cNvPr id="24" name="직선 연결선 23">
             <a:extLst>
               <a:ext uri="{FF2B5EF4-FFF2-40B4-BE49-F238E27FC236}">
-                <a16:creationId xmlns:a16="http://schemas.microsoft.com/office/drawing/2014/main" id="{5A088E24-9E07-4EE6-9438-CC27DBE1938D}"/>
+                <a16:creationId xmlns:a16="http://schemas.microsoft.com/office/drawing/2014/main" xmlns="" id="{5A088E24-9E07-4EE6-9438-CC27DBE1938D}"/>
               </a:ext>
             </a:extLst>
           </p:cNvPr>
@@ -6349,7 +6349,7 @@
           <p:cNvPr id="2" name="제목 1">
             <a:extLst>
               <a:ext uri="{FF2B5EF4-FFF2-40B4-BE49-F238E27FC236}">
-                <a16:creationId xmlns:a16="http://schemas.microsoft.com/office/drawing/2014/main" id="{FA116157-EB39-4A31-AE4D-B6E1A3427CDC}"/>
+                <a16:creationId xmlns:a16="http://schemas.microsoft.com/office/drawing/2014/main" xmlns="" id="{FA116157-EB39-4A31-AE4D-B6E1A3427CDC}"/>
               </a:ext>
             </a:extLst>
           </p:cNvPr>
@@ -6389,7 +6389,7 @@
           <p:cNvPr id="3" name="직사각형 2">
             <a:extLst>
               <a:ext uri="{FF2B5EF4-FFF2-40B4-BE49-F238E27FC236}">
-                <a16:creationId xmlns:a16="http://schemas.microsoft.com/office/drawing/2014/main" id="{885AF3B8-5998-4CD7-A548-BBFCF9F7AD49}"/>
+                <a16:creationId xmlns:a16="http://schemas.microsoft.com/office/drawing/2014/main" xmlns="" id="{885AF3B8-5998-4CD7-A548-BBFCF9F7AD49}"/>
               </a:ext>
             </a:extLst>
           </p:cNvPr>
@@ -6433,7 +6433,7 @@
           <p:cNvPr id="4" name="직사각형 3">
             <a:extLst>
               <a:ext uri="{FF2B5EF4-FFF2-40B4-BE49-F238E27FC236}">
-                <a16:creationId xmlns:a16="http://schemas.microsoft.com/office/drawing/2014/main" id="{DA3E6E0E-AE3F-48B5-A278-A4165CF5C341}"/>
+                <a16:creationId xmlns:a16="http://schemas.microsoft.com/office/drawing/2014/main" xmlns="" id="{DA3E6E0E-AE3F-48B5-A278-A4165CF5C341}"/>
               </a:ext>
             </a:extLst>
           </p:cNvPr>
@@ -6498,7 +6498,7 @@
           <p:cNvPr id="6" name="그림 5">
             <a:extLst>
               <a:ext uri="{FF2B5EF4-FFF2-40B4-BE49-F238E27FC236}">
-                <a16:creationId xmlns:a16="http://schemas.microsoft.com/office/drawing/2014/main" id="{5ACD6D15-1FE4-465C-BB7F-3276A31C750D}"/>
+                <a16:creationId xmlns:a16="http://schemas.microsoft.com/office/drawing/2014/main" xmlns="" id="{5ACD6D15-1FE4-465C-BB7F-3276A31C750D}"/>
               </a:ext>
             </a:extLst>
           </p:cNvPr>
@@ -6528,7 +6528,7 @@
           <p:cNvPr id="10" name="그림 9">
             <a:extLst>
               <a:ext uri="{FF2B5EF4-FFF2-40B4-BE49-F238E27FC236}">
-                <a16:creationId xmlns:a16="http://schemas.microsoft.com/office/drawing/2014/main" id="{693B56B2-0010-413D-B819-0B1BDC2A05D2}"/>
+                <a16:creationId xmlns:a16="http://schemas.microsoft.com/office/drawing/2014/main" xmlns="" id="{693B56B2-0010-413D-B819-0B1BDC2A05D2}"/>
               </a:ext>
             </a:extLst>
           </p:cNvPr>
@@ -6558,7 +6558,7 @@
           <p:cNvPr id="14" name="그림 13">
             <a:extLst>
               <a:ext uri="{FF2B5EF4-FFF2-40B4-BE49-F238E27FC236}">
-                <a16:creationId xmlns:a16="http://schemas.microsoft.com/office/drawing/2014/main" id="{B384D0F5-269A-48C0-B5D9-771592D6ABE6}"/>
+                <a16:creationId xmlns:a16="http://schemas.microsoft.com/office/drawing/2014/main" xmlns="" id="{B384D0F5-269A-48C0-B5D9-771592D6ABE6}"/>
               </a:ext>
             </a:extLst>
           </p:cNvPr>
@@ -6588,7 +6588,7 @@
           <p:cNvPr id="18" name="그림 17">
             <a:extLst>
               <a:ext uri="{FF2B5EF4-FFF2-40B4-BE49-F238E27FC236}">
-                <a16:creationId xmlns:a16="http://schemas.microsoft.com/office/drawing/2014/main" id="{E77D2FFF-93B6-46E2-9FA5-B982F43B8972}"/>
+                <a16:creationId xmlns:a16="http://schemas.microsoft.com/office/drawing/2014/main" xmlns="" id="{E77D2FFF-93B6-46E2-9FA5-B982F43B8972}"/>
               </a:ext>
             </a:extLst>
           </p:cNvPr>
@@ -6618,7 +6618,7 @@
           <p:cNvPr id="20" name="TextBox 19">
             <a:extLst>
               <a:ext uri="{FF2B5EF4-FFF2-40B4-BE49-F238E27FC236}">
-                <a16:creationId xmlns:a16="http://schemas.microsoft.com/office/drawing/2014/main" id="{296DFE2F-8E44-4DEC-9818-DB04C5BB7805}"/>
+                <a16:creationId xmlns:a16="http://schemas.microsoft.com/office/drawing/2014/main" xmlns="" id="{296DFE2F-8E44-4DEC-9818-DB04C5BB7805}"/>
               </a:ext>
             </a:extLst>
           </p:cNvPr>
@@ -6661,7 +6661,7 @@
           <p:cNvPr id="21" name="직선 연결선 20">
             <a:extLst>
               <a:ext uri="{FF2B5EF4-FFF2-40B4-BE49-F238E27FC236}">
-                <a16:creationId xmlns:a16="http://schemas.microsoft.com/office/drawing/2014/main" id="{84085226-2858-4F27-B1D9-FA254DEB249D}"/>
+                <a16:creationId xmlns:a16="http://schemas.microsoft.com/office/drawing/2014/main" xmlns="" id="{84085226-2858-4F27-B1D9-FA254DEB249D}"/>
               </a:ext>
             </a:extLst>
           </p:cNvPr>
@@ -6730,7 +6730,7 @@
           <p:cNvPr id="2" name="제목 1">
             <a:extLst>
               <a:ext uri="{FF2B5EF4-FFF2-40B4-BE49-F238E27FC236}">
-                <a16:creationId xmlns:a16="http://schemas.microsoft.com/office/drawing/2014/main" id="{FA116157-EB39-4A31-AE4D-B6E1A3427CDC}"/>
+                <a16:creationId xmlns:a16="http://schemas.microsoft.com/office/drawing/2014/main" xmlns="" id="{FA116157-EB39-4A31-AE4D-B6E1A3427CDC}"/>
               </a:ext>
             </a:extLst>
           </p:cNvPr>
@@ -6770,7 +6770,7 @@
           <p:cNvPr id="3" name="직사각형 2">
             <a:extLst>
               <a:ext uri="{FF2B5EF4-FFF2-40B4-BE49-F238E27FC236}">
-                <a16:creationId xmlns:a16="http://schemas.microsoft.com/office/drawing/2014/main" id="{885AF3B8-5998-4CD7-A548-BBFCF9F7AD49}"/>
+                <a16:creationId xmlns:a16="http://schemas.microsoft.com/office/drawing/2014/main" xmlns="" id="{885AF3B8-5998-4CD7-A548-BBFCF9F7AD49}"/>
               </a:ext>
             </a:extLst>
           </p:cNvPr>
@@ -6814,7 +6814,7 @@
           <p:cNvPr id="4" name="직사각형 3">
             <a:extLst>
               <a:ext uri="{FF2B5EF4-FFF2-40B4-BE49-F238E27FC236}">
-                <a16:creationId xmlns:a16="http://schemas.microsoft.com/office/drawing/2014/main" id="{DA3E6E0E-AE3F-48B5-A278-A4165CF5C341}"/>
+                <a16:creationId xmlns:a16="http://schemas.microsoft.com/office/drawing/2014/main" xmlns="" id="{DA3E6E0E-AE3F-48B5-A278-A4165CF5C341}"/>
               </a:ext>
             </a:extLst>
           </p:cNvPr>
@@ -6879,7 +6879,7 @@
           <p:cNvPr id="12" name="직사각형 11">
             <a:extLst>
               <a:ext uri="{FF2B5EF4-FFF2-40B4-BE49-F238E27FC236}">
-                <a16:creationId xmlns:a16="http://schemas.microsoft.com/office/drawing/2014/main" id="{4475EC24-FCB3-483F-8403-9A0756977913}"/>
+                <a16:creationId xmlns:a16="http://schemas.microsoft.com/office/drawing/2014/main" xmlns="" id="{4475EC24-FCB3-483F-8403-9A0756977913}"/>
               </a:ext>
             </a:extLst>
           </p:cNvPr>
@@ -6956,7 +6956,7 @@
           <p:cNvPr id="14" name="TextBox 13">
             <a:extLst>
               <a:ext uri="{FF2B5EF4-FFF2-40B4-BE49-F238E27FC236}">
-                <a16:creationId xmlns:a16="http://schemas.microsoft.com/office/drawing/2014/main" id="{6755552D-7997-402A-8D1A-23B58535BED1}"/>
+                <a16:creationId xmlns:a16="http://schemas.microsoft.com/office/drawing/2014/main" xmlns="" id="{6755552D-7997-402A-8D1A-23B58535BED1}"/>
               </a:ext>
             </a:extLst>
           </p:cNvPr>
@@ -7035,7 +7035,7 @@
           <p:cNvPr id="16" name="연결선: 꺾임 15">
             <a:extLst>
               <a:ext uri="{FF2B5EF4-FFF2-40B4-BE49-F238E27FC236}">
-                <a16:creationId xmlns:a16="http://schemas.microsoft.com/office/drawing/2014/main" id="{B07F1519-ABC8-4F64-897B-16DF04D7D3E4}"/>
+                <a16:creationId xmlns:a16="http://schemas.microsoft.com/office/drawing/2014/main" xmlns="" id="{B07F1519-ABC8-4F64-897B-16DF04D7D3E4}"/>
               </a:ext>
             </a:extLst>
           </p:cNvPr>
@@ -7078,7 +7078,7 @@
           <p:cNvPr id="6" name="그림 5">
             <a:extLst>
               <a:ext uri="{FF2B5EF4-FFF2-40B4-BE49-F238E27FC236}">
-                <a16:creationId xmlns:a16="http://schemas.microsoft.com/office/drawing/2014/main" id="{F7C9F03A-521A-4058-B768-86A0D8B7D5F3}"/>
+                <a16:creationId xmlns:a16="http://schemas.microsoft.com/office/drawing/2014/main" xmlns="" id="{F7C9F03A-521A-4058-B768-86A0D8B7D5F3}"/>
               </a:ext>
             </a:extLst>
           </p:cNvPr>
@@ -7108,7 +7108,7 @@
           <p:cNvPr id="18" name="그림 17">
             <a:extLst>
               <a:ext uri="{FF2B5EF4-FFF2-40B4-BE49-F238E27FC236}">
-                <a16:creationId xmlns:a16="http://schemas.microsoft.com/office/drawing/2014/main" id="{B6360C56-5D19-4CA8-A441-45C4CE522D2D}"/>
+                <a16:creationId xmlns:a16="http://schemas.microsoft.com/office/drawing/2014/main" xmlns="" id="{B6360C56-5D19-4CA8-A441-45C4CE522D2D}"/>
               </a:ext>
             </a:extLst>
           </p:cNvPr>
@@ -7138,7 +7138,7 @@
           <p:cNvPr id="20" name="직사각형 19">
             <a:extLst>
               <a:ext uri="{FF2B5EF4-FFF2-40B4-BE49-F238E27FC236}">
-                <a16:creationId xmlns:a16="http://schemas.microsoft.com/office/drawing/2014/main" id="{3A942D0D-A9D4-430E-A721-8D44E7107B1C}"/>
+                <a16:creationId xmlns:a16="http://schemas.microsoft.com/office/drawing/2014/main" xmlns="" id="{3A942D0D-A9D4-430E-A721-8D44E7107B1C}"/>
               </a:ext>
             </a:extLst>
           </p:cNvPr>
@@ -7243,7 +7243,7 @@
           <p:cNvPr id="21" name="직사각형 20">
             <a:extLst>
               <a:ext uri="{FF2B5EF4-FFF2-40B4-BE49-F238E27FC236}">
-                <a16:creationId xmlns:a16="http://schemas.microsoft.com/office/drawing/2014/main" id="{9722ED0E-3B08-4059-BD16-C66FC39FF56A}"/>
+                <a16:creationId xmlns:a16="http://schemas.microsoft.com/office/drawing/2014/main" xmlns="" id="{9722ED0E-3B08-4059-BD16-C66FC39FF56A}"/>
               </a:ext>
             </a:extLst>
           </p:cNvPr>
@@ -7308,7 +7308,7 @@
           <p:cNvPr id="23" name="직사각형 22">
             <a:extLst>
               <a:ext uri="{FF2B5EF4-FFF2-40B4-BE49-F238E27FC236}">
-                <a16:creationId xmlns:a16="http://schemas.microsoft.com/office/drawing/2014/main" id="{D4519495-E8E9-4F68-989C-FD5BB406E0C4}"/>
+                <a16:creationId xmlns:a16="http://schemas.microsoft.com/office/drawing/2014/main" xmlns="" id="{D4519495-E8E9-4F68-989C-FD5BB406E0C4}"/>
               </a:ext>
             </a:extLst>
           </p:cNvPr>
@@ -7421,7 +7421,7 @@
           <p:cNvPr id="25" name="그림 24">
             <a:extLst>
               <a:ext uri="{FF2B5EF4-FFF2-40B4-BE49-F238E27FC236}">
-                <a16:creationId xmlns:a16="http://schemas.microsoft.com/office/drawing/2014/main" id="{256A8633-E5EE-432E-967C-DAF12B3358A4}"/>
+                <a16:creationId xmlns:a16="http://schemas.microsoft.com/office/drawing/2014/main" xmlns="" id="{256A8633-E5EE-432E-967C-DAF12B3358A4}"/>
               </a:ext>
             </a:extLst>
           </p:cNvPr>
@@ -7451,7 +7451,7 @@
           <p:cNvPr id="26" name="직사각형 25">
             <a:extLst>
               <a:ext uri="{FF2B5EF4-FFF2-40B4-BE49-F238E27FC236}">
-                <a16:creationId xmlns:a16="http://schemas.microsoft.com/office/drawing/2014/main" id="{376FFEDB-EDC6-412A-A321-0F9012BBE756}"/>
+                <a16:creationId xmlns:a16="http://schemas.microsoft.com/office/drawing/2014/main" xmlns="" id="{376FFEDB-EDC6-412A-A321-0F9012BBE756}"/>
               </a:ext>
             </a:extLst>
           </p:cNvPr>
@@ -7516,7 +7516,7 @@
           <p:cNvPr id="28" name="그림 27">
             <a:extLst>
               <a:ext uri="{FF2B5EF4-FFF2-40B4-BE49-F238E27FC236}">
-                <a16:creationId xmlns:a16="http://schemas.microsoft.com/office/drawing/2014/main" id="{465B96D4-696F-4AC1-BE7A-37DBE05D3E48}"/>
+                <a16:creationId xmlns:a16="http://schemas.microsoft.com/office/drawing/2014/main" xmlns="" id="{465B96D4-696F-4AC1-BE7A-37DBE05D3E48}"/>
               </a:ext>
             </a:extLst>
           </p:cNvPr>
@@ -7546,7 +7546,7 @@
           <p:cNvPr id="30" name="직선 연결선 29">
             <a:extLst>
               <a:ext uri="{FF2B5EF4-FFF2-40B4-BE49-F238E27FC236}">
-                <a16:creationId xmlns:a16="http://schemas.microsoft.com/office/drawing/2014/main" id="{BAEA43F4-874C-44E6-A684-6DFB99694E65}"/>
+                <a16:creationId xmlns:a16="http://schemas.microsoft.com/office/drawing/2014/main" xmlns="" id="{BAEA43F4-874C-44E6-A684-6DFB99694E65}"/>
               </a:ext>
             </a:extLst>
           </p:cNvPr>
@@ -7615,7 +7615,7 @@
           <p:cNvPr id="2" name="제목 1">
             <a:extLst>
               <a:ext uri="{FF2B5EF4-FFF2-40B4-BE49-F238E27FC236}">
-                <a16:creationId xmlns:a16="http://schemas.microsoft.com/office/drawing/2014/main" id="{FA116157-EB39-4A31-AE4D-B6E1A3427CDC}"/>
+                <a16:creationId xmlns:a16="http://schemas.microsoft.com/office/drawing/2014/main" xmlns="" id="{FA116157-EB39-4A31-AE4D-B6E1A3427CDC}"/>
               </a:ext>
             </a:extLst>
           </p:cNvPr>
@@ -7655,7 +7655,7 @@
           <p:cNvPr id="3" name="직사각형 2">
             <a:extLst>
               <a:ext uri="{FF2B5EF4-FFF2-40B4-BE49-F238E27FC236}">
-                <a16:creationId xmlns:a16="http://schemas.microsoft.com/office/drawing/2014/main" id="{885AF3B8-5998-4CD7-A548-BBFCF9F7AD49}"/>
+                <a16:creationId xmlns:a16="http://schemas.microsoft.com/office/drawing/2014/main" xmlns="" id="{885AF3B8-5998-4CD7-A548-BBFCF9F7AD49}"/>
               </a:ext>
             </a:extLst>
           </p:cNvPr>
@@ -7699,7 +7699,7 @@
           <p:cNvPr id="20" name="TextBox 19">
             <a:extLst>
               <a:ext uri="{FF2B5EF4-FFF2-40B4-BE49-F238E27FC236}">
-                <a16:creationId xmlns:a16="http://schemas.microsoft.com/office/drawing/2014/main" id="{296DFE2F-8E44-4DEC-9818-DB04C5BB7805}"/>
+                <a16:creationId xmlns:a16="http://schemas.microsoft.com/office/drawing/2014/main" xmlns="" id="{296DFE2F-8E44-4DEC-9818-DB04C5BB7805}"/>
               </a:ext>
             </a:extLst>
           </p:cNvPr>
@@ -7742,7 +7742,7 @@
           <p:cNvPr id="7" name="그림 6">
             <a:extLst>
               <a:ext uri="{FF2B5EF4-FFF2-40B4-BE49-F238E27FC236}">
-                <a16:creationId xmlns:a16="http://schemas.microsoft.com/office/drawing/2014/main" id="{63AFD5EA-19BB-4540-AD8E-140FE3ACF7C0}"/>
+                <a16:creationId xmlns:a16="http://schemas.microsoft.com/office/drawing/2014/main" xmlns="" id="{63AFD5EA-19BB-4540-AD8E-140FE3ACF7C0}"/>
               </a:ext>
             </a:extLst>
           </p:cNvPr>
@@ -7772,7 +7772,7 @@
           <p:cNvPr id="9" name="그림 8">
             <a:extLst>
               <a:ext uri="{FF2B5EF4-FFF2-40B4-BE49-F238E27FC236}">
-                <a16:creationId xmlns:a16="http://schemas.microsoft.com/office/drawing/2014/main" id="{FC6A2A4F-839E-4A96-AE79-35048824FB26}"/>
+                <a16:creationId xmlns:a16="http://schemas.microsoft.com/office/drawing/2014/main" xmlns="" id="{FC6A2A4F-839E-4A96-AE79-35048824FB26}"/>
               </a:ext>
             </a:extLst>
           </p:cNvPr>
@@ -7832,7 +7832,7 @@
           <p:cNvPr id="4" name="제목 3">
             <a:extLst>
               <a:ext uri="{FF2B5EF4-FFF2-40B4-BE49-F238E27FC236}">
-                <a16:creationId xmlns:a16="http://schemas.microsoft.com/office/drawing/2014/main" id="{EB6D438C-A184-447B-ACCE-00753F422508}"/>
+                <a16:creationId xmlns:a16="http://schemas.microsoft.com/office/drawing/2014/main" xmlns="" id="{EB6D438C-A184-447B-ACCE-00753F422508}"/>
               </a:ext>
             </a:extLst>
           </p:cNvPr>
@@ -7860,7 +7860,7 @@
           <p:cNvPr id="3" name="직사각형 2">
             <a:extLst>
               <a:ext uri="{FF2B5EF4-FFF2-40B4-BE49-F238E27FC236}">
-                <a16:creationId xmlns:a16="http://schemas.microsoft.com/office/drawing/2014/main" id="{C8C7B028-7499-4F07-8D86-558C5DAFC46E}"/>
+                <a16:creationId xmlns:a16="http://schemas.microsoft.com/office/drawing/2014/main" xmlns="" id="{C8C7B028-7499-4F07-8D86-558C5DAFC46E}"/>
               </a:ext>
             </a:extLst>
           </p:cNvPr>
@@ -7904,7 +7904,7 @@
           <p:cNvPr id="5" name="직사각형 4">
             <a:extLst>
               <a:ext uri="{FF2B5EF4-FFF2-40B4-BE49-F238E27FC236}">
-                <a16:creationId xmlns:a16="http://schemas.microsoft.com/office/drawing/2014/main" id="{D6E98831-CF35-4B37-BCD8-339E2B262ECA}"/>
+                <a16:creationId xmlns:a16="http://schemas.microsoft.com/office/drawing/2014/main" xmlns="" id="{D6E98831-CF35-4B37-BCD8-339E2B262ECA}"/>
               </a:ext>
             </a:extLst>
           </p:cNvPr>
@@ -7953,7 +7953,7 @@
           <p:cNvPr id="11" name="직사각형 10">
             <a:extLst>
               <a:ext uri="{FF2B5EF4-FFF2-40B4-BE49-F238E27FC236}">
-                <a16:creationId xmlns:a16="http://schemas.microsoft.com/office/drawing/2014/main" id="{96658924-D519-49D9-BC43-D612C40FC1B6}"/>
+                <a16:creationId xmlns:a16="http://schemas.microsoft.com/office/drawing/2014/main" xmlns="" id="{96658924-D519-49D9-BC43-D612C40FC1B6}"/>
               </a:ext>
             </a:extLst>
           </p:cNvPr>
@@ -8058,7 +8058,7 @@
           <p:cNvPr id="23" name="그림 22">
             <a:extLst>
               <a:ext uri="{FF2B5EF4-FFF2-40B4-BE49-F238E27FC236}">
-                <a16:creationId xmlns:a16="http://schemas.microsoft.com/office/drawing/2014/main" id="{D0B39C70-8908-4103-B501-BAB1EA33FE0F}"/>
+                <a16:creationId xmlns:a16="http://schemas.microsoft.com/office/drawing/2014/main" xmlns="" id="{D0B39C70-8908-4103-B501-BAB1EA33FE0F}"/>
               </a:ext>
             </a:extLst>
           </p:cNvPr>
@@ -8088,7 +8088,7 @@
           <p:cNvPr id="24" name="그림 23">
             <a:extLst>
               <a:ext uri="{FF2B5EF4-FFF2-40B4-BE49-F238E27FC236}">
-                <a16:creationId xmlns:a16="http://schemas.microsoft.com/office/drawing/2014/main" id="{6D9C681A-F0F2-4881-8107-BDB604EDF57C}"/>
+                <a16:creationId xmlns:a16="http://schemas.microsoft.com/office/drawing/2014/main" xmlns="" id="{6D9C681A-F0F2-4881-8107-BDB604EDF57C}"/>
               </a:ext>
             </a:extLst>
           </p:cNvPr>
@@ -8118,7 +8118,7 @@
           <p:cNvPr id="25" name="TextBox 24">
             <a:extLst>
               <a:ext uri="{FF2B5EF4-FFF2-40B4-BE49-F238E27FC236}">
-                <a16:creationId xmlns:a16="http://schemas.microsoft.com/office/drawing/2014/main" id="{CB663EA5-D555-4E5B-A6FE-4BE34BB2BEDE}"/>
+                <a16:creationId xmlns:a16="http://schemas.microsoft.com/office/drawing/2014/main" xmlns="" id="{CB663EA5-D555-4E5B-A6FE-4BE34BB2BEDE}"/>
               </a:ext>
             </a:extLst>
           </p:cNvPr>
@@ -8183,7 +8183,7 @@
           <p:cNvPr id="2" name="제목 1">
             <a:extLst>
               <a:ext uri="{FF2B5EF4-FFF2-40B4-BE49-F238E27FC236}">
-                <a16:creationId xmlns:a16="http://schemas.microsoft.com/office/drawing/2014/main" id="{FA116157-EB39-4A31-AE4D-B6E1A3427CDC}"/>
+                <a16:creationId xmlns:a16="http://schemas.microsoft.com/office/drawing/2014/main" xmlns="" id="{FA116157-EB39-4A31-AE4D-B6E1A3427CDC}"/>
               </a:ext>
             </a:extLst>
           </p:cNvPr>
@@ -8223,7 +8223,7 @@
           <p:cNvPr id="3" name="직사각형 2">
             <a:extLst>
               <a:ext uri="{FF2B5EF4-FFF2-40B4-BE49-F238E27FC236}">
-                <a16:creationId xmlns:a16="http://schemas.microsoft.com/office/drawing/2014/main" id="{885AF3B8-5998-4CD7-A548-BBFCF9F7AD49}"/>
+                <a16:creationId xmlns:a16="http://schemas.microsoft.com/office/drawing/2014/main" xmlns="" id="{885AF3B8-5998-4CD7-A548-BBFCF9F7AD49}"/>
               </a:ext>
             </a:extLst>
           </p:cNvPr>
@@ -8267,7 +8267,7 @@
           <p:cNvPr id="17" name="직사각형 16">
             <a:extLst>
               <a:ext uri="{FF2B5EF4-FFF2-40B4-BE49-F238E27FC236}">
-                <a16:creationId xmlns:a16="http://schemas.microsoft.com/office/drawing/2014/main" id="{E7A997D2-755F-4955-A1B4-5C33AAA10527}"/>
+                <a16:creationId xmlns:a16="http://schemas.microsoft.com/office/drawing/2014/main" xmlns="" id="{E7A997D2-755F-4955-A1B4-5C33AAA10527}"/>
               </a:ext>
             </a:extLst>
           </p:cNvPr>
@@ -8303,6 +8303,12 @@
               </a:rPr>
               <a:t>노드를 삭제할 때는 부모 노드에서 자식 노드를 삭제해야 한다</a:t>
             </a:r>
+            <a:r>
+              <a:rPr lang="en-US" altLang="ko-KR" sz="1200">
+                <a:latin typeface="+mn-ea"/>
+              </a:rPr>
+              <a:t/>
+            </a:r>
             <a:br>
               <a:rPr lang="en-US" altLang="ko-KR" sz="1200">
                 <a:latin typeface="+mn-ea"/>
@@ -8333,7 +8339,7 @@
           <p:cNvPr id="19" name="직사각형 18">
             <a:extLst>
               <a:ext uri="{FF2B5EF4-FFF2-40B4-BE49-F238E27FC236}">
-                <a16:creationId xmlns:a16="http://schemas.microsoft.com/office/drawing/2014/main" id="{2416AE14-2F1B-45FB-81A7-FB8023906EED}"/>
+                <a16:creationId xmlns:a16="http://schemas.microsoft.com/office/drawing/2014/main" xmlns="" id="{2416AE14-2F1B-45FB-81A7-FB8023906EED}"/>
               </a:ext>
             </a:extLst>
           </p:cNvPr>
@@ -8383,7 +8389,7 @@
           <p:cNvPr id="5" name="TextBox 4">
             <a:extLst>
               <a:ext uri="{FF2B5EF4-FFF2-40B4-BE49-F238E27FC236}">
-                <a16:creationId xmlns:a16="http://schemas.microsoft.com/office/drawing/2014/main" id="{265E6AD1-A942-449E-A669-376E1FB581AE}"/>
+                <a16:creationId xmlns:a16="http://schemas.microsoft.com/office/drawing/2014/main" xmlns="" id="{265E6AD1-A942-449E-A669-376E1FB581AE}"/>
               </a:ext>
             </a:extLst>
           </p:cNvPr>
@@ -8418,7 +8424,7 @@
           <p:cNvPr id="8" name="그림 7">
             <a:extLst>
               <a:ext uri="{FF2B5EF4-FFF2-40B4-BE49-F238E27FC236}">
-                <a16:creationId xmlns:a16="http://schemas.microsoft.com/office/drawing/2014/main" id="{297907C6-94A9-4C41-9A57-8DD35A104715}"/>
+                <a16:creationId xmlns:a16="http://schemas.microsoft.com/office/drawing/2014/main" xmlns="" id="{297907C6-94A9-4C41-9A57-8DD35A104715}"/>
               </a:ext>
             </a:extLst>
           </p:cNvPr>
@@ -8448,7 +8454,7 @@
           <p:cNvPr id="22" name="직사각형 21">
             <a:extLst>
               <a:ext uri="{FF2B5EF4-FFF2-40B4-BE49-F238E27FC236}">
-                <a16:creationId xmlns:a16="http://schemas.microsoft.com/office/drawing/2014/main" id="{95EF12CB-2E26-42B6-85CC-9FA91B3FD740}"/>
+                <a16:creationId xmlns:a16="http://schemas.microsoft.com/office/drawing/2014/main" xmlns="" id="{95EF12CB-2E26-42B6-85CC-9FA91B3FD740}"/>
               </a:ext>
             </a:extLst>
           </p:cNvPr>
@@ -8498,7 +8504,7 @@
           <p:cNvPr id="24" name="TextBox 23">
             <a:extLst>
               <a:ext uri="{FF2B5EF4-FFF2-40B4-BE49-F238E27FC236}">
-                <a16:creationId xmlns:a16="http://schemas.microsoft.com/office/drawing/2014/main" id="{394C52C2-D621-4E4F-B417-68835475A92A}"/>
+                <a16:creationId xmlns:a16="http://schemas.microsoft.com/office/drawing/2014/main" xmlns="" id="{394C52C2-D621-4E4F-B417-68835475A92A}"/>
               </a:ext>
             </a:extLst>
           </p:cNvPr>
@@ -8533,7 +8539,7 @@
           <p:cNvPr id="10" name="그림 9">
             <a:extLst>
               <a:ext uri="{FF2B5EF4-FFF2-40B4-BE49-F238E27FC236}">
-                <a16:creationId xmlns:a16="http://schemas.microsoft.com/office/drawing/2014/main" id="{30AA5175-18D7-41AE-A624-2CE3CB5C4BAA}"/>
+                <a16:creationId xmlns:a16="http://schemas.microsoft.com/office/drawing/2014/main" xmlns="" id="{30AA5175-18D7-41AE-A624-2CE3CB5C4BAA}"/>
               </a:ext>
             </a:extLst>
           </p:cNvPr>
@@ -8593,7 +8599,7 @@
           <p:cNvPr id="4" name="제목 3">
             <a:extLst>
               <a:ext uri="{FF2B5EF4-FFF2-40B4-BE49-F238E27FC236}">
-                <a16:creationId xmlns:a16="http://schemas.microsoft.com/office/drawing/2014/main" id="{EB6D438C-A184-447B-ACCE-00753F422508}"/>
+                <a16:creationId xmlns:a16="http://schemas.microsoft.com/office/drawing/2014/main" xmlns="" id="{EB6D438C-A184-447B-ACCE-00753F422508}"/>
               </a:ext>
             </a:extLst>
           </p:cNvPr>
@@ -8621,7 +8627,7 @@
           <p:cNvPr id="3" name="직사각형 2">
             <a:extLst>
               <a:ext uri="{FF2B5EF4-FFF2-40B4-BE49-F238E27FC236}">
-                <a16:creationId xmlns:a16="http://schemas.microsoft.com/office/drawing/2014/main" id="{C8C7B028-7499-4F07-8D86-558C5DAFC46E}"/>
+                <a16:creationId xmlns:a16="http://schemas.microsoft.com/office/drawing/2014/main" xmlns="" id="{C8C7B028-7499-4F07-8D86-558C5DAFC46E}"/>
               </a:ext>
             </a:extLst>
           </p:cNvPr>
@@ -8671,7 +8677,7 @@
           <p:cNvPr id="15" name="직사각형 14">
             <a:extLst>
               <a:ext uri="{FF2B5EF4-FFF2-40B4-BE49-F238E27FC236}">
-                <a16:creationId xmlns:a16="http://schemas.microsoft.com/office/drawing/2014/main" id="{99CCB962-4B5D-4E26-B476-569A4B119904}"/>
+                <a16:creationId xmlns:a16="http://schemas.microsoft.com/office/drawing/2014/main" xmlns="" id="{99CCB962-4B5D-4E26-B476-569A4B119904}"/>
               </a:ext>
             </a:extLst>
           </p:cNvPr>
@@ -8837,7 +8843,7 @@
           <p:cNvPr id="18" name="직사각형 17">
             <a:extLst>
               <a:ext uri="{FF2B5EF4-FFF2-40B4-BE49-F238E27FC236}">
-                <a16:creationId xmlns:a16="http://schemas.microsoft.com/office/drawing/2014/main" id="{BA832137-1206-42F7-926B-1290BCC8F721}"/>
+                <a16:creationId xmlns:a16="http://schemas.microsoft.com/office/drawing/2014/main" xmlns="" id="{BA832137-1206-42F7-926B-1290BCC8F721}"/>
               </a:ext>
             </a:extLst>
           </p:cNvPr>
@@ -8899,7 +8905,7 @@
           <p:cNvPr id="20" name="직사각형 19">
             <a:extLst>
               <a:ext uri="{FF2B5EF4-FFF2-40B4-BE49-F238E27FC236}">
-                <a16:creationId xmlns:a16="http://schemas.microsoft.com/office/drawing/2014/main" id="{8B1E8AE9-4766-4964-821E-3DCE8CA9521F}"/>
+                <a16:creationId xmlns:a16="http://schemas.microsoft.com/office/drawing/2014/main" xmlns="" id="{8B1E8AE9-4766-4964-821E-3DCE8CA9521F}"/>
               </a:ext>
             </a:extLst>
           </p:cNvPr>
@@ -9059,7 +9065,7 @@
           <p:cNvPr id="6" name="그림 5">
             <a:extLst>
               <a:ext uri="{FF2B5EF4-FFF2-40B4-BE49-F238E27FC236}">
-                <a16:creationId xmlns:a16="http://schemas.microsoft.com/office/drawing/2014/main" id="{BB42402E-0CEC-4457-8015-23DED7709C14}"/>
+                <a16:creationId xmlns:a16="http://schemas.microsoft.com/office/drawing/2014/main" xmlns="" id="{BB42402E-0CEC-4457-8015-23DED7709C14}"/>
               </a:ext>
             </a:extLst>
           </p:cNvPr>
@@ -9089,7 +9095,7 @@
           <p:cNvPr id="12" name="그림 11">
             <a:extLst>
               <a:ext uri="{FF2B5EF4-FFF2-40B4-BE49-F238E27FC236}">
-                <a16:creationId xmlns:a16="http://schemas.microsoft.com/office/drawing/2014/main" id="{CFB73244-4160-4D52-9EB4-88B021CD29AC}"/>
+                <a16:creationId xmlns:a16="http://schemas.microsoft.com/office/drawing/2014/main" xmlns="" id="{CFB73244-4160-4D52-9EB4-88B021CD29AC}"/>
               </a:ext>
             </a:extLst>
           </p:cNvPr>
@@ -9149,7 +9155,7 @@
           <p:cNvPr id="4" name="제목 3">
             <a:extLst>
               <a:ext uri="{FF2B5EF4-FFF2-40B4-BE49-F238E27FC236}">
-                <a16:creationId xmlns:a16="http://schemas.microsoft.com/office/drawing/2014/main" id="{EB6D438C-A184-447B-ACCE-00753F422508}"/>
+                <a16:creationId xmlns:a16="http://schemas.microsoft.com/office/drawing/2014/main" xmlns="" id="{EB6D438C-A184-447B-ACCE-00753F422508}"/>
               </a:ext>
             </a:extLst>
           </p:cNvPr>
@@ -9177,7 +9183,7 @@
           <p:cNvPr id="7" name="그림 6">
             <a:extLst>
               <a:ext uri="{FF2B5EF4-FFF2-40B4-BE49-F238E27FC236}">
-                <a16:creationId xmlns:a16="http://schemas.microsoft.com/office/drawing/2014/main" id="{4742907B-BB56-43B9-8664-5AAF2C9E8EC4}"/>
+                <a16:creationId xmlns:a16="http://schemas.microsoft.com/office/drawing/2014/main" xmlns="" id="{4742907B-BB56-43B9-8664-5AAF2C9E8EC4}"/>
               </a:ext>
             </a:extLst>
           </p:cNvPr>
@@ -9207,7 +9213,7 @@
           <p:cNvPr id="9" name="그림 8">
             <a:extLst>
               <a:ext uri="{FF2B5EF4-FFF2-40B4-BE49-F238E27FC236}">
-                <a16:creationId xmlns:a16="http://schemas.microsoft.com/office/drawing/2014/main" id="{64147DBA-CB6F-45E3-9C8C-E56059DBABBC}"/>
+                <a16:creationId xmlns:a16="http://schemas.microsoft.com/office/drawing/2014/main" xmlns="" id="{64147DBA-CB6F-45E3-9C8C-E56059DBABBC}"/>
               </a:ext>
             </a:extLst>
           </p:cNvPr>
@@ -9267,7 +9273,7 @@
           <p:cNvPr id="4" name="제목 3">
             <a:extLst>
               <a:ext uri="{FF2B5EF4-FFF2-40B4-BE49-F238E27FC236}">
-                <a16:creationId xmlns:a16="http://schemas.microsoft.com/office/drawing/2014/main" id="{EB6D438C-A184-447B-ACCE-00753F422508}"/>
+                <a16:creationId xmlns:a16="http://schemas.microsoft.com/office/drawing/2014/main" xmlns="" id="{EB6D438C-A184-447B-ACCE-00753F422508}"/>
               </a:ext>
             </a:extLst>
           </p:cNvPr>
@@ -9299,7 +9305,7 @@
           <p:cNvPr id="5" name="직사각형 4">
             <a:extLst>
               <a:ext uri="{FF2B5EF4-FFF2-40B4-BE49-F238E27FC236}">
-                <a16:creationId xmlns:a16="http://schemas.microsoft.com/office/drawing/2014/main" id="{7034713A-D5F1-4F14-B366-477004892E80}"/>
+                <a16:creationId xmlns:a16="http://schemas.microsoft.com/office/drawing/2014/main" xmlns="" id="{7034713A-D5F1-4F14-B366-477004892E80}"/>
               </a:ext>
             </a:extLst>
           </p:cNvPr>
@@ -9349,7 +9355,7 @@
           <p:cNvPr id="8" name="직사각형 7">
             <a:extLst>
               <a:ext uri="{FF2B5EF4-FFF2-40B4-BE49-F238E27FC236}">
-                <a16:creationId xmlns:a16="http://schemas.microsoft.com/office/drawing/2014/main" id="{4AE1164B-BEA5-4D57-9A08-7AA95966EA0F}"/>
+                <a16:creationId xmlns:a16="http://schemas.microsoft.com/office/drawing/2014/main" xmlns="" id="{4AE1164B-BEA5-4D57-9A08-7AA95966EA0F}"/>
               </a:ext>
             </a:extLst>
           </p:cNvPr>
@@ -9399,7 +9405,7 @@
           <p:cNvPr id="11" name="직사각형 10">
             <a:extLst>
               <a:ext uri="{FF2B5EF4-FFF2-40B4-BE49-F238E27FC236}">
-                <a16:creationId xmlns:a16="http://schemas.microsoft.com/office/drawing/2014/main" id="{B85DE690-C02E-43D1-B292-A6542CE778B6}"/>
+                <a16:creationId xmlns:a16="http://schemas.microsoft.com/office/drawing/2014/main" xmlns="" id="{B85DE690-C02E-43D1-B292-A6542CE778B6}"/>
               </a:ext>
             </a:extLst>
           </p:cNvPr>
@@ -9468,7 +9474,7 @@
           <p:cNvPr id="3" name="그림 2">
             <a:extLst>
               <a:ext uri="{FF2B5EF4-FFF2-40B4-BE49-F238E27FC236}">
-                <a16:creationId xmlns:a16="http://schemas.microsoft.com/office/drawing/2014/main" id="{0D587A1A-585D-44B9-BB18-A8A2DE44357F}"/>
+                <a16:creationId xmlns:a16="http://schemas.microsoft.com/office/drawing/2014/main" xmlns="" id="{0D587A1A-585D-44B9-BB18-A8A2DE44357F}"/>
               </a:ext>
             </a:extLst>
           </p:cNvPr>
@@ -9498,7 +9504,7 @@
           <p:cNvPr id="12" name="직사각형 11">
             <a:extLst>
               <a:ext uri="{FF2B5EF4-FFF2-40B4-BE49-F238E27FC236}">
-                <a16:creationId xmlns:a16="http://schemas.microsoft.com/office/drawing/2014/main" id="{D92F3FF5-5048-410F-A021-BA4A9307E1E8}"/>
+                <a16:creationId xmlns:a16="http://schemas.microsoft.com/office/drawing/2014/main" xmlns="" id="{D92F3FF5-5048-410F-A021-BA4A9307E1E8}"/>
               </a:ext>
             </a:extLst>
           </p:cNvPr>
@@ -9548,7 +9554,7 @@
           <p:cNvPr id="14" name="직사각형 13">
             <a:extLst>
               <a:ext uri="{FF2B5EF4-FFF2-40B4-BE49-F238E27FC236}">
-                <a16:creationId xmlns:a16="http://schemas.microsoft.com/office/drawing/2014/main" id="{477E8D21-101D-4577-A0B6-BC659FED2CBE}"/>
+                <a16:creationId xmlns:a16="http://schemas.microsoft.com/office/drawing/2014/main" xmlns="" id="{477E8D21-101D-4577-A0B6-BC659FED2CBE}"/>
               </a:ext>
             </a:extLst>
           </p:cNvPr>
@@ -9598,7 +9604,7 @@
           <p:cNvPr id="17" name="직선 연결선 16">
             <a:extLst>
               <a:ext uri="{FF2B5EF4-FFF2-40B4-BE49-F238E27FC236}">
-                <a16:creationId xmlns:a16="http://schemas.microsoft.com/office/drawing/2014/main" id="{10874EFB-8FA4-4EB6-9D76-FF3946E7181F}"/>
+                <a16:creationId xmlns:a16="http://schemas.microsoft.com/office/drawing/2014/main" xmlns="" id="{10874EFB-8FA4-4EB6-9D76-FF3946E7181F}"/>
               </a:ext>
             </a:extLst>
           </p:cNvPr>
@@ -9637,7 +9643,7 @@
           <p:cNvPr id="20" name="그림 19">
             <a:extLst>
               <a:ext uri="{FF2B5EF4-FFF2-40B4-BE49-F238E27FC236}">
-                <a16:creationId xmlns:a16="http://schemas.microsoft.com/office/drawing/2014/main" id="{7B115EC5-6D5E-4A51-A9D7-12AB579B9452}"/>
+                <a16:creationId xmlns:a16="http://schemas.microsoft.com/office/drawing/2014/main" xmlns="" id="{7B115EC5-6D5E-4A51-A9D7-12AB579B9452}"/>
               </a:ext>
             </a:extLst>
           </p:cNvPr>
@@ -9667,7 +9673,7 @@
           <p:cNvPr id="22" name="그림 21">
             <a:extLst>
               <a:ext uri="{FF2B5EF4-FFF2-40B4-BE49-F238E27FC236}">
-                <a16:creationId xmlns:a16="http://schemas.microsoft.com/office/drawing/2014/main" id="{0B45F226-F493-4147-91BB-BD073ADDDD7A}"/>
+                <a16:creationId xmlns:a16="http://schemas.microsoft.com/office/drawing/2014/main" xmlns="" id="{0B45F226-F493-4147-91BB-BD073ADDDD7A}"/>
               </a:ext>
             </a:extLst>
           </p:cNvPr>
@@ -9697,7 +9703,7 @@
           <p:cNvPr id="23" name="직사각형 22">
             <a:extLst>
               <a:ext uri="{FF2B5EF4-FFF2-40B4-BE49-F238E27FC236}">
-                <a16:creationId xmlns:a16="http://schemas.microsoft.com/office/drawing/2014/main" id="{5919A5A6-AAFB-4F00-8070-DD70B0132649}"/>
+                <a16:creationId xmlns:a16="http://schemas.microsoft.com/office/drawing/2014/main" xmlns="" id="{5919A5A6-AAFB-4F00-8070-DD70B0132649}"/>
               </a:ext>
             </a:extLst>
           </p:cNvPr>
@@ -9806,7 +9812,7 @@
           <p:cNvPr id="27" name="오른쪽 대괄호 26">
             <a:extLst>
               <a:ext uri="{FF2B5EF4-FFF2-40B4-BE49-F238E27FC236}">
-                <a16:creationId xmlns:a16="http://schemas.microsoft.com/office/drawing/2014/main" id="{508A99B8-8A19-45D6-AAB8-D3D735128468}"/>
+                <a16:creationId xmlns:a16="http://schemas.microsoft.com/office/drawing/2014/main" xmlns="" id="{508A99B8-8A19-45D6-AAB8-D3D735128468}"/>
               </a:ext>
             </a:extLst>
           </p:cNvPr>
@@ -9850,7 +9856,7 @@
           <p:cNvPr id="37" name="연결선: 꺾임 36">
             <a:extLst>
               <a:ext uri="{FF2B5EF4-FFF2-40B4-BE49-F238E27FC236}">
-                <a16:creationId xmlns:a16="http://schemas.microsoft.com/office/drawing/2014/main" id="{00A497EC-E0DC-4C74-8131-DFE34D6ED2DC}"/>
+                <a16:creationId xmlns:a16="http://schemas.microsoft.com/office/drawing/2014/main" xmlns="" id="{00A497EC-E0DC-4C74-8131-DFE34D6ED2DC}"/>
               </a:ext>
             </a:extLst>
           </p:cNvPr>
@@ -9892,7 +9898,7 @@
           <p:cNvPr id="40" name="직사각형 39">
             <a:extLst>
               <a:ext uri="{FF2B5EF4-FFF2-40B4-BE49-F238E27FC236}">
-                <a16:creationId xmlns:a16="http://schemas.microsoft.com/office/drawing/2014/main" id="{4A80AC79-EE84-42F1-B38B-95BBD0AB3AC4}"/>
+                <a16:creationId xmlns:a16="http://schemas.microsoft.com/office/drawing/2014/main" xmlns="" id="{4A80AC79-EE84-42F1-B38B-95BBD0AB3AC4}"/>
               </a:ext>
             </a:extLst>
           </p:cNvPr>
@@ -9954,7 +9960,7 @@
           <p:cNvPr id="43" name="그림 42">
             <a:extLst>
               <a:ext uri="{FF2B5EF4-FFF2-40B4-BE49-F238E27FC236}">
-                <a16:creationId xmlns:a16="http://schemas.microsoft.com/office/drawing/2014/main" id="{84AC140E-52E1-4C1E-8C97-5ADBE2A85356}"/>
+                <a16:creationId xmlns:a16="http://schemas.microsoft.com/office/drawing/2014/main" xmlns="" id="{84AC140E-52E1-4C1E-8C97-5ADBE2A85356}"/>
               </a:ext>
             </a:extLst>
           </p:cNvPr>
@@ -9984,7 +9990,7 @@
           <p:cNvPr id="44" name="직사각형 43">
             <a:extLst>
               <a:ext uri="{FF2B5EF4-FFF2-40B4-BE49-F238E27FC236}">
-                <a16:creationId xmlns:a16="http://schemas.microsoft.com/office/drawing/2014/main" id="{47DFCBBD-01BF-4E6A-9804-9E3778FBDFBA}"/>
+                <a16:creationId xmlns:a16="http://schemas.microsoft.com/office/drawing/2014/main" xmlns="" id="{47DFCBBD-01BF-4E6A-9804-9E3778FBDFBA}"/>
               </a:ext>
             </a:extLst>
           </p:cNvPr>
@@ -10077,7 +10083,7 @@
           <p:cNvPr id="47" name="직사각형 46">
             <a:extLst>
               <a:ext uri="{FF2B5EF4-FFF2-40B4-BE49-F238E27FC236}">
-                <a16:creationId xmlns:a16="http://schemas.microsoft.com/office/drawing/2014/main" id="{2CEADADC-4CCE-4C8E-82AF-D21C3626E4A9}"/>
+                <a16:creationId xmlns:a16="http://schemas.microsoft.com/office/drawing/2014/main" xmlns="" id="{2CEADADC-4CCE-4C8E-82AF-D21C3626E4A9}"/>
               </a:ext>
             </a:extLst>
           </p:cNvPr>
@@ -10214,7 +10220,7 @@
           <p:cNvPr id="4" name="제목 3">
             <a:extLst>
               <a:ext uri="{FF2B5EF4-FFF2-40B4-BE49-F238E27FC236}">
-                <a16:creationId xmlns:a16="http://schemas.microsoft.com/office/drawing/2014/main" id="{EB6D438C-A184-447B-ACCE-00753F422508}"/>
+                <a16:creationId xmlns:a16="http://schemas.microsoft.com/office/drawing/2014/main" xmlns="" id="{EB6D438C-A184-447B-ACCE-00753F422508}"/>
               </a:ext>
             </a:extLst>
           </p:cNvPr>
@@ -10246,7 +10252,7 @@
           <p:cNvPr id="5" name="직사각형 4">
             <a:extLst>
               <a:ext uri="{FF2B5EF4-FFF2-40B4-BE49-F238E27FC236}">
-                <a16:creationId xmlns:a16="http://schemas.microsoft.com/office/drawing/2014/main" id="{7034713A-D5F1-4F14-B366-477004892E80}"/>
+                <a16:creationId xmlns:a16="http://schemas.microsoft.com/office/drawing/2014/main" xmlns="" id="{7034713A-D5F1-4F14-B366-477004892E80}"/>
               </a:ext>
             </a:extLst>
           </p:cNvPr>
@@ -10296,7 +10302,7 @@
           <p:cNvPr id="11" name="직사각형 10">
             <a:extLst>
               <a:ext uri="{FF2B5EF4-FFF2-40B4-BE49-F238E27FC236}">
-                <a16:creationId xmlns:a16="http://schemas.microsoft.com/office/drawing/2014/main" id="{B85DE690-C02E-43D1-B292-A6542CE778B6}"/>
+                <a16:creationId xmlns:a16="http://schemas.microsoft.com/office/drawing/2014/main" xmlns="" id="{B85DE690-C02E-43D1-B292-A6542CE778B6}"/>
               </a:ext>
             </a:extLst>
           </p:cNvPr>
@@ -10388,7 +10394,7 @@
           <p:cNvPr id="6" name="그림 5">
             <a:extLst>
               <a:ext uri="{FF2B5EF4-FFF2-40B4-BE49-F238E27FC236}">
-                <a16:creationId xmlns:a16="http://schemas.microsoft.com/office/drawing/2014/main" id="{5C8E9600-BE74-4847-B025-4FB87F4A73BE}"/>
+                <a16:creationId xmlns:a16="http://schemas.microsoft.com/office/drawing/2014/main" xmlns="" id="{5C8E9600-BE74-4847-B025-4FB87F4A73BE}"/>
               </a:ext>
             </a:extLst>
           </p:cNvPr>
@@ -10418,7 +10424,7 @@
           <p:cNvPr id="9" name="그림 8">
             <a:extLst>
               <a:ext uri="{FF2B5EF4-FFF2-40B4-BE49-F238E27FC236}">
-                <a16:creationId xmlns:a16="http://schemas.microsoft.com/office/drawing/2014/main" id="{DBE696ED-AAAE-447E-B50D-BC0DF5F39143}"/>
+                <a16:creationId xmlns:a16="http://schemas.microsoft.com/office/drawing/2014/main" xmlns="" id="{DBE696ED-AAAE-447E-B50D-BC0DF5F39143}"/>
               </a:ext>
             </a:extLst>
           </p:cNvPr>
@@ -10448,7 +10454,7 @@
           <p:cNvPr id="13" name="그림 12">
             <a:extLst>
               <a:ext uri="{FF2B5EF4-FFF2-40B4-BE49-F238E27FC236}">
-                <a16:creationId xmlns:a16="http://schemas.microsoft.com/office/drawing/2014/main" id="{62062555-4F31-4C06-90AE-7879665BD9B2}"/>
+                <a16:creationId xmlns:a16="http://schemas.microsoft.com/office/drawing/2014/main" xmlns="" id="{62062555-4F31-4C06-90AE-7879665BD9B2}"/>
               </a:ext>
             </a:extLst>
           </p:cNvPr>
@@ -10508,7 +10514,7 @@
           <p:cNvPr id="4" name="제목 3">
             <a:extLst>
               <a:ext uri="{FF2B5EF4-FFF2-40B4-BE49-F238E27FC236}">
-                <a16:creationId xmlns:a16="http://schemas.microsoft.com/office/drawing/2014/main" id="{EB6D438C-A184-447B-ACCE-00753F422508}"/>
+                <a16:creationId xmlns:a16="http://schemas.microsoft.com/office/drawing/2014/main" xmlns="" id="{EB6D438C-A184-447B-ACCE-00753F422508}"/>
               </a:ext>
             </a:extLst>
           </p:cNvPr>
@@ -10540,7 +10546,7 @@
           <p:cNvPr id="5" name="직사각형 4">
             <a:extLst>
               <a:ext uri="{FF2B5EF4-FFF2-40B4-BE49-F238E27FC236}">
-                <a16:creationId xmlns:a16="http://schemas.microsoft.com/office/drawing/2014/main" id="{7034713A-D5F1-4F14-B366-477004892E80}"/>
+                <a16:creationId xmlns:a16="http://schemas.microsoft.com/office/drawing/2014/main" xmlns="" id="{7034713A-D5F1-4F14-B366-477004892E80}"/>
               </a:ext>
             </a:extLst>
           </p:cNvPr>
@@ -10602,7 +10608,7 @@
           <p:cNvPr id="11" name="직사각형 10">
             <a:extLst>
               <a:ext uri="{FF2B5EF4-FFF2-40B4-BE49-F238E27FC236}">
-                <a16:creationId xmlns:a16="http://schemas.microsoft.com/office/drawing/2014/main" id="{B85DE690-C02E-43D1-B292-A6542CE778B6}"/>
+                <a16:creationId xmlns:a16="http://schemas.microsoft.com/office/drawing/2014/main" xmlns="" id="{B85DE690-C02E-43D1-B292-A6542CE778B6}"/>
               </a:ext>
             </a:extLst>
           </p:cNvPr>
@@ -10702,7 +10708,7 @@
           <p:cNvPr id="3" name="그림 2">
             <a:extLst>
               <a:ext uri="{FF2B5EF4-FFF2-40B4-BE49-F238E27FC236}">
-                <a16:creationId xmlns:a16="http://schemas.microsoft.com/office/drawing/2014/main" id="{D924A128-5E5E-4D7B-A701-F6DC090C4C9C}"/>
+                <a16:creationId xmlns:a16="http://schemas.microsoft.com/office/drawing/2014/main" xmlns="" id="{D924A128-5E5E-4D7B-A701-F6DC090C4C9C}"/>
               </a:ext>
             </a:extLst>
           </p:cNvPr>
@@ -10732,7 +10738,7 @@
           <p:cNvPr id="8" name="그림 7">
             <a:extLst>
               <a:ext uri="{FF2B5EF4-FFF2-40B4-BE49-F238E27FC236}">
-                <a16:creationId xmlns:a16="http://schemas.microsoft.com/office/drawing/2014/main" id="{88E74DF0-504B-4FC8-A22C-B1FC436E5411}"/>
+                <a16:creationId xmlns:a16="http://schemas.microsoft.com/office/drawing/2014/main" xmlns="" id="{88E74DF0-504B-4FC8-A22C-B1FC436E5411}"/>
               </a:ext>
             </a:extLst>
           </p:cNvPr>
@@ -10762,7 +10768,7 @@
           <p:cNvPr id="12" name="그림 11">
             <a:extLst>
               <a:ext uri="{FF2B5EF4-FFF2-40B4-BE49-F238E27FC236}">
-                <a16:creationId xmlns:a16="http://schemas.microsoft.com/office/drawing/2014/main" id="{A267AC5C-89CE-4E7B-A0C6-3F7F447B6878}"/>
+                <a16:creationId xmlns:a16="http://schemas.microsoft.com/office/drawing/2014/main" xmlns="" id="{A267AC5C-89CE-4E7B-A0C6-3F7F447B6878}"/>
               </a:ext>
             </a:extLst>
           </p:cNvPr>
@@ -10792,7 +10798,7 @@
           <p:cNvPr id="15" name="그림 14">
             <a:extLst>
               <a:ext uri="{FF2B5EF4-FFF2-40B4-BE49-F238E27FC236}">
-                <a16:creationId xmlns:a16="http://schemas.microsoft.com/office/drawing/2014/main" id="{543B1FDC-18B8-4813-8B3D-A40106E48461}"/>
+                <a16:creationId xmlns:a16="http://schemas.microsoft.com/office/drawing/2014/main" xmlns="" id="{543B1FDC-18B8-4813-8B3D-A40106E48461}"/>
               </a:ext>
             </a:extLst>
           </p:cNvPr>
@@ -10852,7 +10858,7 @@
           <p:cNvPr id="4" name="제목 3">
             <a:extLst>
               <a:ext uri="{FF2B5EF4-FFF2-40B4-BE49-F238E27FC236}">
-                <a16:creationId xmlns:a16="http://schemas.microsoft.com/office/drawing/2014/main" id="{EB6D438C-A184-447B-ACCE-00753F422508}"/>
+                <a16:creationId xmlns:a16="http://schemas.microsoft.com/office/drawing/2014/main" xmlns="" id="{EB6D438C-A184-447B-ACCE-00753F422508}"/>
               </a:ext>
             </a:extLst>
           </p:cNvPr>
@@ -10886,7 +10892,7 @@
           <p:cNvPr id="5" name="직사각형 4">
             <a:extLst>
               <a:ext uri="{FF2B5EF4-FFF2-40B4-BE49-F238E27FC236}">
-                <a16:creationId xmlns:a16="http://schemas.microsoft.com/office/drawing/2014/main" id="{7034713A-D5F1-4F14-B366-477004892E80}"/>
+                <a16:creationId xmlns:a16="http://schemas.microsoft.com/office/drawing/2014/main" xmlns="" id="{7034713A-D5F1-4F14-B366-477004892E80}"/>
               </a:ext>
             </a:extLst>
           </p:cNvPr>
@@ -10936,7 +10942,7 @@
           <p:cNvPr id="11" name="직사각형 10">
             <a:extLst>
               <a:ext uri="{FF2B5EF4-FFF2-40B4-BE49-F238E27FC236}">
-                <a16:creationId xmlns:a16="http://schemas.microsoft.com/office/drawing/2014/main" id="{B85DE690-C02E-43D1-B292-A6542CE778B6}"/>
+                <a16:creationId xmlns:a16="http://schemas.microsoft.com/office/drawing/2014/main" xmlns="" id="{B85DE690-C02E-43D1-B292-A6542CE778B6}"/>
               </a:ext>
             </a:extLst>
           </p:cNvPr>
@@ -10986,7 +10992,7 @@
           <p:cNvPr id="6" name="그림 5">
             <a:extLst>
               <a:ext uri="{FF2B5EF4-FFF2-40B4-BE49-F238E27FC236}">
-                <a16:creationId xmlns:a16="http://schemas.microsoft.com/office/drawing/2014/main" id="{FBA945D4-191F-4E6C-AE6E-D58CC0A97F35}"/>
+                <a16:creationId xmlns:a16="http://schemas.microsoft.com/office/drawing/2014/main" xmlns="" id="{FBA945D4-191F-4E6C-AE6E-D58CC0A97F35}"/>
               </a:ext>
             </a:extLst>
           </p:cNvPr>
@@ -11015,7 +11021,7 @@
           <p:cNvPr id="9" name="그림 8">
             <a:extLst>
               <a:ext uri="{FF2B5EF4-FFF2-40B4-BE49-F238E27FC236}">
-                <a16:creationId xmlns:a16="http://schemas.microsoft.com/office/drawing/2014/main" id="{1B934807-384B-48B3-A982-ACF597523E0E}"/>
+                <a16:creationId xmlns:a16="http://schemas.microsoft.com/office/drawing/2014/main" xmlns="" id="{1B934807-384B-48B3-A982-ACF597523E0E}"/>
               </a:ext>
             </a:extLst>
           </p:cNvPr>
@@ -11045,7 +11051,7 @@
           <p:cNvPr id="13" name="직사각형 12">
             <a:extLst>
               <a:ext uri="{FF2B5EF4-FFF2-40B4-BE49-F238E27FC236}">
-                <a16:creationId xmlns:a16="http://schemas.microsoft.com/office/drawing/2014/main" id="{4CBDEEE5-F5AB-4082-B111-63A7ED11E4C7}"/>
+                <a16:creationId xmlns:a16="http://schemas.microsoft.com/office/drawing/2014/main" xmlns="" id="{4CBDEEE5-F5AB-4082-B111-63A7ED11E4C7}"/>
               </a:ext>
             </a:extLst>
           </p:cNvPr>
@@ -11089,7 +11095,7 @@
           <p:cNvPr id="14" name="직사각형 13">
             <a:extLst>
               <a:ext uri="{FF2B5EF4-FFF2-40B4-BE49-F238E27FC236}">
-                <a16:creationId xmlns:a16="http://schemas.microsoft.com/office/drawing/2014/main" id="{A7CB3A18-31EB-4CA3-B61C-01C80E0C582D}"/>
+                <a16:creationId xmlns:a16="http://schemas.microsoft.com/office/drawing/2014/main" xmlns="" id="{A7CB3A18-31EB-4CA3-B61C-01C80E0C582D}"/>
               </a:ext>
             </a:extLst>
           </p:cNvPr>
@@ -11162,7 +11168,7 @@
           <p:cNvPr id="16" name="그림 15">
             <a:extLst>
               <a:ext uri="{FF2B5EF4-FFF2-40B4-BE49-F238E27FC236}">
-                <a16:creationId xmlns:a16="http://schemas.microsoft.com/office/drawing/2014/main" id="{36D92055-FADD-4C23-9429-7222A9AF92D8}"/>
+                <a16:creationId xmlns:a16="http://schemas.microsoft.com/office/drawing/2014/main" xmlns="" id="{36D92055-FADD-4C23-9429-7222A9AF92D8}"/>
               </a:ext>
             </a:extLst>
           </p:cNvPr>
@@ -11192,7 +11198,7 @@
           <p:cNvPr id="18" name="그림 17">
             <a:extLst>
               <a:ext uri="{FF2B5EF4-FFF2-40B4-BE49-F238E27FC236}">
-                <a16:creationId xmlns:a16="http://schemas.microsoft.com/office/drawing/2014/main" id="{122593F6-45F1-4534-A395-A470F2AAFA8C}"/>
+                <a16:creationId xmlns:a16="http://schemas.microsoft.com/office/drawing/2014/main" xmlns="" id="{122593F6-45F1-4534-A395-A470F2AAFA8C}"/>
               </a:ext>
             </a:extLst>
           </p:cNvPr>
@@ -11252,7 +11258,7 @@
           <p:cNvPr id="4" name="제목 3">
             <a:extLst>
               <a:ext uri="{FF2B5EF4-FFF2-40B4-BE49-F238E27FC236}">
-                <a16:creationId xmlns:a16="http://schemas.microsoft.com/office/drawing/2014/main" id="{EB6D438C-A184-447B-ACCE-00753F422508}"/>
+                <a16:creationId xmlns:a16="http://schemas.microsoft.com/office/drawing/2014/main" xmlns="" id="{EB6D438C-A184-447B-ACCE-00753F422508}"/>
               </a:ext>
             </a:extLst>
           </p:cNvPr>
@@ -11286,7 +11292,7 @@
           <p:cNvPr id="5" name="직사각형 4">
             <a:extLst>
               <a:ext uri="{FF2B5EF4-FFF2-40B4-BE49-F238E27FC236}">
-                <a16:creationId xmlns:a16="http://schemas.microsoft.com/office/drawing/2014/main" id="{7034713A-D5F1-4F14-B366-477004892E80}"/>
+                <a16:creationId xmlns:a16="http://schemas.microsoft.com/office/drawing/2014/main" xmlns="" id="{7034713A-D5F1-4F14-B366-477004892E80}"/>
               </a:ext>
             </a:extLst>
           </p:cNvPr>
@@ -11348,7 +11354,7 @@
           <p:cNvPr id="11" name="직사각형 10">
             <a:extLst>
               <a:ext uri="{FF2B5EF4-FFF2-40B4-BE49-F238E27FC236}">
-                <a16:creationId xmlns:a16="http://schemas.microsoft.com/office/drawing/2014/main" id="{B85DE690-C02E-43D1-B292-A6542CE778B6}"/>
+                <a16:creationId xmlns:a16="http://schemas.microsoft.com/office/drawing/2014/main" xmlns="" id="{B85DE690-C02E-43D1-B292-A6542CE778B6}"/>
               </a:ext>
             </a:extLst>
           </p:cNvPr>
@@ -11409,7 +11415,7 @@
           <p:cNvPr id="3" name="그림 2">
             <a:extLst>
               <a:ext uri="{FF2B5EF4-FFF2-40B4-BE49-F238E27FC236}">
-                <a16:creationId xmlns:a16="http://schemas.microsoft.com/office/drawing/2014/main" id="{E767FC10-B535-4809-A9A3-307790B57105}"/>
+                <a16:creationId xmlns:a16="http://schemas.microsoft.com/office/drawing/2014/main" xmlns="" id="{E767FC10-B535-4809-A9A3-307790B57105}"/>
               </a:ext>
             </a:extLst>
           </p:cNvPr>
@@ -11439,7 +11445,7 @@
           <p:cNvPr id="8" name="그림 7">
             <a:extLst>
               <a:ext uri="{FF2B5EF4-FFF2-40B4-BE49-F238E27FC236}">
-                <a16:creationId xmlns:a16="http://schemas.microsoft.com/office/drawing/2014/main" id="{E80992DD-D375-4D6D-BD0B-17E9EAFA21D0}"/>
+                <a16:creationId xmlns:a16="http://schemas.microsoft.com/office/drawing/2014/main" xmlns="" id="{E80992DD-D375-4D6D-BD0B-17E9EAFA21D0}"/>
               </a:ext>
             </a:extLst>
           </p:cNvPr>
@@ -11469,7 +11475,7 @@
           <p:cNvPr id="12" name="그림 11">
             <a:extLst>
               <a:ext uri="{FF2B5EF4-FFF2-40B4-BE49-F238E27FC236}">
-                <a16:creationId xmlns:a16="http://schemas.microsoft.com/office/drawing/2014/main" id="{61E68BC1-F766-4E63-9420-7123BA496200}"/>
+                <a16:creationId xmlns:a16="http://schemas.microsoft.com/office/drawing/2014/main" xmlns="" id="{61E68BC1-F766-4E63-9420-7123BA496200}"/>
               </a:ext>
             </a:extLst>
           </p:cNvPr>
@@ -11796,7 +11802,7 @@
   <a:extraClrSchemeLst/>
   <a:extLst>
     <a:ext uri="{05A4C25C-085E-4340-85A3-A5531E510DB2}">
-      <thm15:themeFamily xmlns:thm15="http://schemas.microsoft.com/office/thememl/2012/main" name="HCJ" id="{0138D6AD-1EF3-49F9-B0E7-D994D6EA1170}" vid="{0129D1E7-6EDF-4F3F-8503-6FA2AFD39B8A}"/>
+      <thm15:themeFamily xmlns:thm15="http://schemas.microsoft.com/office/thememl/2012/main" xmlns="" name="HCJ" id="{0138D6AD-1EF3-49F9-B0E7-D994D6EA1170}" vid="{0129D1E7-6EDF-4F3F-8503-6FA2AFD39B8A}"/>
     </a:ext>
   </a:extLst>
 </a:theme>
